--- a/paper/water/figures/figures.pptx
+++ b/paper/water/figures/figures.pptx
@@ -104,6 +104,11 @@
       </a:defRPr>
     </a:lvl9pPr>
   </p:defaultTextStyle>
+  <p:extLst>
+    <p:ext uri="{EFAFB233-063F-42B5-8137-9DF3F51BA10A}">
+      <p15:sldGuideLst xmlns:p15="http://schemas.microsoft.com/office/powerpoint/2012/main"/>
+    </p:ext>
+  </p:extLst>
 </p:presentation>
 </file>
 
@@ -3609,6 +3614,1494 @@
           <a:chExt cx="0" cy="0"/>
         </a:xfrm>
       </p:grpSpPr>
+      <p:grpSp>
+        <p:nvGrpSpPr>
+          <p:cNvPr id="153" name="グループ化 152">
+            <a:extLst>
+              <a:ext uri="{FF2B5EF4-FFF2-40B4-BE49-F238E27FC236}">
+                <a16:creationId xmlns:a16="http://schemas.microsoft.com/office/drawing/2014/main" id="{7E1AB998-4A6B-434A-8B6B-44376E01C493}"/>
+              </a:ext>
+            </a:extLst>
+          </p:cNvPr>
+          <p:cNvGrpSpPr/>
+          <p:nvPr/>
+        </p:nvGrpSpPr>
+        <p:grpSpPr>
+          <a:xfrm>
+            <a:off x="1659464" y="1194275"/>
+            <a:ext cx="9774776" cy="4787800"/>
+            <a:chOff x="1396998" y="1135009"/>
+            <a:chExt cx="9774776" cy="4787800"/>
+          </a:xfrm>
+        </p:grpSpPr>
+        <p:pic>
+          <p:nvPicPr>
+            <p:cNvPr id="3" name="図 2" descr="図形&#10;&#10;中程度の精度で自動的に生成された説明">
+              <a:extLst>
+                <a:ext uri="{FF2B5EF4-FFF2-40B4-BE49-F238E27FC236}">
+                  <a16:creationId xmlns:a16="http://schemas.microsoft.com/office/drawing/2014/main" id="{B80FF195-DF74-46E9-A436-03AC0277B1AB}"/>
+                </a:ext>
+              </a:extLst>
+            </p:cNvPr>
+            <p:cNvPicPr>
+              <a:picLocks noChangeAspect="1"/>
+            </p:cNvPicPr>
+            <p:nvPr/>
+          </p:nvPicPr>
+          <p:blipFill rotWithShape="1">
+            <a:blip r:embed="rId2">
+              <a:extLst>
+                <a:ext uri="{28A0092B-C50C-407E-A947-70E740481C1C}">
+                  <a14:useLocalDpi xmlns:a14="http://schemas.microsoft.com/office/drawing/2010/main" val="0"/>
+                </a:ext>
+              </a:extLst>
+            </a:blip>
+            <a:srcRect b="26731"/>
+            <a:stretch/>
+          </p:blipFill>
+          <p:spPr>
+            <a:xfrm flipH="1">
+              <a:off x="1396998" y="1135009"/>
+              <a:ext cx="2116667" cy="1700116"/>
+            </a:xfrm>
+            <a:prstGeom prst="rect">
+              <a:avLst/>
+            </a:prstGeom>
+          </p:spPr>
+        </p:pic>
+        <p:sp>
+          <p:nvSpPr>
+            <p:cNvPr id="8" name="四角形: 角を丸くする 7">
+              <a:extLst>
+                <a:ext uri="{FF2B5EF4-FFF2-40B4-BE49-F238E27FC236}">
+                  <a16:creationId xmlns:a16="http://schemas.microsoft.com/office/drawing/2014/main" id="{DF3B2EE8-3E2D-4769-9E90-EA9F96ABC2E8}"/>
+                </a:ext>
+              </a:extLst>
+            </p:cNvPr>
+            <p:cNvSpPr/>
+            <p:nvPr/>
+          </p:nvSpPr>
+          <p:spPr>
+            <a:xfrm>
+              <a:off x="2565400" y="2319867"/>
+              <a:ext cx="1286933" cy="1023260"/>
+            </a:xfrm>
+            <a:prstGeom prst="roundRect">
+              <a:avLst/>
+            </a:prstGeom>
+            <a:solidFill>
+              <a:schemeClr val="bg1">
+                <a:lumMod val="85000"/>
+              </a:schemeClr>
+            </a:solidFill>
+            <a:ln>
+              <a:noFill/>
+            </a:ln>
+          </p:spPr>
+          <p:style>
+            <a:lnRef idx="2">
+              <a:schemeClr val="accent1">
+                <a:shade val="50000"/>
+              </a:schemeClr>
+            </a:lnRef>
+            <a:fillRef idx="1">
+              <a:schemeClr val="accent1"/>
+            </a:fillRef>
+            <a:effectRef idx="0">
+              <a:schemeClr val="accent1"/>
+            </a:effectRef>
+            <a:fontRef idx="minor">
+              <a:schemeClr val="lt1"/>
+            </a:fontRef>
+          </p:style>
+          <p:txBody>
+            <a:bodyPr rtlCol="0" anchor="ctr"/>
+            <a:lstStyle/>
+            <a:p>
+              <a:pPr algn="ctr"/>
+              <a:endParaRPr kumimoji="1" lang="ja-JP" altLang="en-US"/>
+            </a:p>
+          </p:txBody>
+        </p:sp>
+        <p:sp>
+          <p:nvSpPr>
+            <p:cNvPr id="17" name="テキスト ボックス 16">
+              <a:extLst>
+                <a:ext uri="{FF2B5EF4-FFF2-40B4-BE49-F238E27FC236}">
+                  <a16:creationId xmlns:a16="http://schemas.microsoft.com/office/drawing/2014/main" id="{BF80960B-9B61-448A-9DDE-12B3296B1B79}"/>
+                </a:ext>
+              </a:extLst>
+            </p:cNvPr>
+            <p:cNvSpPr txBox="1"/>
+            <p:nvPr/>
+          </p:nvSpPr>
+          <p:spPr>
+            <a:xfrm>
+              <a:off x="2074332" y="2787241"/>
+              <a:ext cx="812799" cy="369332"/>
+            </a:xfrm>
+            <a:prstGeom prst="rect">
+              <a:avLst/>
+            </a:prstGeom>
+            <a:noFill/>
+          </p:spPr>
+          <p:txBody>
+            <a:bodyPr wrap="square" rtlCol="0">
+              <a:spAutoFit/>
+            </a:bodyPr>
+            <a:lstStyle/>
+            <a:p>
+              <a:pPr algn="ctr"/>
+              <a:r>
+                <a:rPr kumimoji="1" lang="en-US" altLang="ja-JP" dirty="0">
+                  <a:latin typeface="Arial" panose="020B0604020202020204" pitchFamily="34" charset="0"/>
+                  <a:cs typeface="Arial" panose="020B0604020202020204" pitchFamily="34" charset="0"/>
+                </a:rPr>
+                <a:t>Mic</a:t>
+              </a:r>
+              <a:endParaRPr kumimoji="1" lang="ja-JP" altLang="en-US" dirty="0">
+                <a:latin typeface="Arial" panose="020B0604020202020204" pitchFamily="34" charset="0"/>
+                <a:cs typeface="Arial" panose="020B0604020202020204" pitchFamily="34" charset="0"/>
+              </a:endParaRPr>
+            </a:p>
+          </p:txBody>
+        </p:sp>
+        <p:pic>
+          <p:nvPicPr>
+            <p:cNvPr id="5" name="グラフィックス 4">
+              <a:extLst>
+                <a:ext uri="{FF2B5EF4-FFF2-40B4-BE49-F238E27FC236}">
+                  <a16:creationId xmlns:a16="http://schemas.microsoft.com/office/drawing/2014/main" id="{EEB54F21-8996-4CAD-B342-BF72A2970682}"/>
+                </a:ext>
+              </a:extLst>
+            </p:cNvPr>
+            <p:cNvPicPr>
+              <a:picLocks noChangeAspect="1"/>
+            </p:cNvPicPr>
+            <p:nvPr/>
+          </p:nvPicPr>
+          <p:blipFill>
+            <a:blip r:embed="rId3">
+              <a:extLst>
+                <a:ext uri="{28A0092B-C50C-407E-A947-70E740481C1C}">
+                  <a14:useLocalDpi xmlns:a14="http://schemas.microsoft.com/office/drawing/2010/main" val="0"/>
+                </a:ext>
+                <a:ext uri="{96DAC541-7B7A-43D3-8B79-37D633B846F1}">
+                  <asvg:svgBlip xmlns:asvg="http://schemas.microsoft.com/office/drawing/2016/SVG/main" r:embed="rId4"/>
+                </a:ext>
+              </a:extLst>
+            </a:blip>
+            <a:stretch>
+              <a:fillRect/>
+            </a:stretch>
+          </p:blipFill>
+          <p:spPr>
+            <a:xfrm>
+              <a:off x="2328336" y="4344412"/>
+              <a:ext cx="1753775" cy="1578397"/>
+            </a:xfrm>
+            <a:prstGeom prst="rect">
+              <a:avLst/>
+            </a:prstGeom>
+          </p:spPr>
+        </p:pic>
+        <p:pic>
+          <p:nvPicPr>
+            <p:cNvPr id="7" name="図 6" descr="図形&#10;&#10;中程度の精度で自動的に生成された説明">
+              <a:extLst>
+                <a:ext uri="{FF2B5EF4-FFF2-40B4-BE49-F238E27FC236}">
+                  <a16:creationId xmlns:a16="http://schemas.microsoft.com/office/drawing/2014/main" id="{8FE9B8AD-1EC2-4643-904D-FE592BD25030}"/>
+                </a:ext>
+              </a:extLst>
+            </p:cNvPr>
+            <p:cNvPicPr>
+              <a:picLocks noChangeAspect="1"/>
+            </p:cNvPicPr>
+            <p:nvPr/>
+          </p:nvPicPr>
+          <p:blipFill rotWithShape="1">
+            <a:blip r:embed="rId2">
+              <a:extLst>
+                <a:ext uri="{28A0092B-C50C-407E-A947-70E740481C1C}">
+                  <a14:useLocalDpi xmlns:a14="http://schemas.microsoft.com/office/drawing/2010/main" val="0"/>
+                </a:ext>
+              </a:extLst>
+            </a:blip>
+            <a:srcRect l="3200" t="73269" r="72800"/>
+            <a:stretch/>
+          </p:blipFill>
+          <p:spPr>
+            <a:xfrm flipH="1">
+              <a:off x="3200402" y="3597133"/>
+              <a:ext cx="508001" cy="620272"/>
+            </a:xfrm>
+            <a:prstGeom prst="rect">
+              <a:avLst/>
+            </a:prstGeom>
+          </p:spPr>
+        </p:pic>
+        <p:sp>
+          <p:nvSpPr>
+            <p:cNvPr id="9" name="楕円 8">
+              <a:extLst>
+                <a:ext uri="{FF2B5EF4-FFF2-40B4-BE49-F238E27FC236}">
+                  <a16:creationId xmlns:a16="http://schemas.microsoft.com/office/drawing/2014/main" id="{D6411D0F-133A-4FE3-98BC-1BBF5DEC0989}"/>
+                </a:ext>
+              </a:extLst>
+            </p:cNvPr>
+            <p:cNvSpPr/>
+            <p:nvPr/>
+          </p:nvSpPr>
+          <p:spPr>
+            <a:xfrm>
+              <a:off x="2748698" y="2881907"/>
+              <a:ext cx="180000" cy="180000"/>
+            </a:xfrm>
+            <a:prstGeom prst="ellipse">
+              <a:avLst/>
+            </a:prstGeom>
+            <a:solidFill>
+              <a:schemeClr val="accent4"/>
+            </a:solidFill>
+            <a:ln>
+              <a:solidFill>
+                <a:schemeClr val="accent4"/>
+              </a:solidFill>
+            </a:ln>
+          </p:spPr>
+          <p:style>
+            <a:lnRef idx="2">
+              <a:schemeClr val="accent1">
+                <a:shade val="50000"/>
+              </a:schemeClr>
+            </a:lnRef>
+            <a:fillRef idx="1">
+              <a:schemeClr val="accent1"/>
+            </a:fillRef>
+            <a:effectRef idx="0">
+              <a:schemeClr val="accent1"/>
+            </a:effectRef>
+            <a:fontRef idx="minor">
+              <a:schemeClr val="lt1"/>
+            </a:fontRef>
+          </p:style>
+          <p:txBody>
+            <a:bodyPr rtlCol="0" anchor="ctr"/>
+            <a:lstStyle/>
+            <a:p>
+              <a:pPr algn="ctr"/>
+              <a:endParaRPr kumimoji="1" lang="ja-JP" altLang="en-US"/>
+            </a:p>
+          </p:txBody>
+        </p:sp>
+        <p:sp>
+          <p:nvSpPr>
+            <p:cNvPr id="15" name="テキスト ボックス 14">
+              <a:extLst>
+                <a:ext uri="{FF2B5EF4-FFF2-40B4-BE49-F238E27FC236}">
+                  <a16:creationId xmlns:a16="http://schemas.microsoft.com/office/drawing/2014/main" id="{59BCD46A-A8CC-4239-8551-961FD28F8A97}"/>
+                </a:ext>
+              </a:extLst>
+            </p:cNvPr>
+            <p:cNvSpPr txBox="1"/>
+            <p:nvPr/>
+          </p:nvSpPr>
+          <p:spPr>
+            <a:xfrm>
+              <a:off x="2480732" y="2385253"/>
+              <a:ext cx="1448978" cy="369332"/>
+            </a:xfrm>
+            <a:prstGeom prst="rect">
+              <a:avLst/>
+            </a:prstGeom>
+            <a:noFill/>
+          </p:spPr>
+          <p:txBody>
+            <a:bodyPr wrap="square" rtlCol="0">
+              <a:spAutoFit/>
+            </a:bodyPr>
+            <a:lstStyle/>
+            <a:p>
+              <a:pPr algn="ctr"/>
+              <a:r>
+                <a:rPr kumimoji="1" lang="en-US" altLang="ja-JP" dirty="0">
+                  <a:latin typeface="Arial" panose="020B0604020202020204" pitchFamily="34" charset="0"/>
+                  <a:cs typeface="Arial" panose="020B0604020202020204" pitchFamily="34" charset="0"/>
+                </a:rPr>
+                <a:t>Control unit</a:t>
+              </a:r>
+              <a:endParaRPr kumimoji="1" lang="ja-JP" altLang="en-US" dirty="0">
+                <a:latin typeface="Arial" panose="020B0604020202020204" pitchFamily="34" charset="0"/>
+                <a:cs typeface="Arial" panose="020B0604020202020204" pitchFamily="34" charset="0"/>
+              </a:endParaRPr>
+            </a:p>
+          </p:txBody>
+        </p:sp>
+        <p:sp>
+          <p:nvSpPr>
+            <p:cNvPr id="19" name="正方形/長方形 18">
+              <a:extLst>
+                <a:ext uri="{FF2B5EF4-FFF2-40B4-BE49-F238E27FC236}">
+                  <a16:creationId xmlns:a16="http://schemas.microsoft.com/office/drawing/2014/main" id="{95F95634-36D1-4607-B8FA-D55FA75DDD2E}"/>
+                </a:ext>
+              </a:extLst>
+            </p:cNvPr>
+            <p:cNvSpPr/>
+            <p:nvPr/>
+          </p:nvSpPr>
+          <p:spPr>
+            <a:xfrm>
+              <a:off x="3196759" y="3343127"/>
+              <a:ext cx="508001" cy="163079"/>
+            </a:xfrm>
+            <a:prstGeom prst="rect">
+              <a:avLst/>
+            </a:prstGeom>
+            <a:solidFill>
+              <a:schemeClr val="accent4"/>
+            </a:solidFill>
+            <a:ln>
+              <a:solidFill>
+                <a:schemeClr val="accent4"/>
+              </a:solidFill>
+            </a:ln>
+          </p:spPr>
+          <p:style>
+            <a:lnRef idx="2">
+              <a:schemeClr val="accent1">
+                <a:shade val="50000"/>
+              </a:schemeClr>
+            </a:lnRef>
+            <a:fillRef idx="1">
+              <a:schemeClr val="accent1"/>
+            </a:fillRef>
+            <a:effectRef idx="0">
+              <a:schemeClr val="accent1"/>
+            </a:effectRef>
+            <a:fontRef idx="minor">
+              <a:schemeClr val="lt1"/>
+            </a:fontRef>
+          </p:style>
+          <p:txBody>
+            <a:bodyPr rtlCol="0" anchor="ctr"/>
+            <a:lstStyle/>
+            <a:p>
+              <a:pPr algn="ctr"/>
+              <a:endParaRPr kumimoji="1" lang="ja-JP" altLang="en-US"/>
+            </a:p>
+          </p:txBody>
+        </p:sp>
+        <p:sp>
+          <p:nvSpPr>
+            <p:cNvPr id="21" name="テキスト ボックス 20">
+              <a:extLst>
+                <a:ext uri="{FF2B5EF4-FFF2-40B4-BE49-F238E27FC236}">
+                  <a16:creationId xmlns:a16="http://schemas.microsoft.com/office/drawing/2014/main" id="{3F2811E4-B48D-49EA-876D-B8ACF7F981CB}"/>
+                </a:ext>
+              </a:extLst>
+            </p:cNvPr>
+            <p:cNvSpPr txBox="1"/>
+            <p:nvPr/>
+          </p:nvSpPr>
+          <p:spPr>
+            <a:xfrm>
+              <a:off x="3048002" y="3031787"/>
+              <a:ext cx="812799" cy="369332"/>
+            </a:xfrm>
+            <a:prstGeom prst="rect">
+              <a:avLst/>
+            </a:prstGeom>
+            <a:noFill/>
+          </p:spPr>
+          <p:txBody>
+            <a:bodyPr wrap="square" rtlCol="0">
+              <a:spAutoFit/>
+            </a:bodyPr>
+            <a:lstStyle/>
+            <a:p>
+              <a:pPr algn="ctr"/>
+              <a:r>
+                <a:rPr kumimoji="1" lang="en-US" altLang="ja-JP" dirty="0">
+                  <a:latin typeface="Arial" panose="020B0604020202020204" pitchFamily="34" charset="0"/>
+                  <a:cs typeface="Arial" panose="020B0604020202020204" pitchFamily="34" charset="0"/>
+                </a:rPr>
+                <a:t>Valve</a:t>
+              </a:r>
+              <a:endParaRPr kumimoji="1" lang="ja-JP" altLang="en-US" dirty="0">
+                <a:latin typeface="Arial" panose="020B0604020202020204" pitchFamily="34" charset="0"/>
+                <a:cs typeface="Arial" panose="020B0604020202020204" pitchFamily="34" charset="0"/>
+              </a:endParaRPr>
+            </a:p>
+          </p:txBody>
+        </p:sp>
+        <p:cxnSp>
+          <p:nvCxnSpPr>
+            <p:cNvPr id="24" name="直線矢印コネクタ 23">
+              <a:extLst>
+                <a:ext uri="{FF2B5EF4-FFF2-40B4-BE49-F238E27FC236}">
+                  <a16:creationId xmlns:a16="http://schemas.microsoft.com/office/drawing/2014/main" id="{52E48BD5-4D3C-498B-82B6-213169191238}"/>
+                </a:ext>
+              </a:extLst>
+            </p:cNvPr>
+            <p:cNvCxnSpPr>
+              <a:cxnSpLocks/>
+            </p:cNvCxnSpPr>
+            <p:nvPr/>
+          </p:nvCxnSpPr>
+          <p:spPr>
+            <a:xfrm flipV="1">
+              <a:off x="2833282" y="3149596"/>
+              <a:ext cx="0" cy="1297473"/>
+            </a:xfrm>
+            <a:prstGeom prst="straightConnector1">
+              <a:avLst/>
+            </a:prstGeom>
+            <a:ln w="38100">
+              <a:solidFill>
+                <a:schemeClr val="tx1"/>
+              </a:solidFill>
+              <a:prstDash val="dash"/>
+              <a:tailEnd type="triangle"/>
+            </a:ln>
+          </p:spPr>
+          <p:style>
+            <a:lnRef idx="1">
+              <a:schemeClr val="accent1"/>
+            </a:lnRef>
+            <a:fillRef idx="0">
+              <a:schemeClr val="accent1"/>
+            </a:fillRef>
+            <a:effectRef idx="0">
+              <a:schemeClr val="accent1"/>
+            </a:effectRef>
+            <a:fontRef idx="minor">
+              <a:schemeClr val="tx1"/>
+            </a:fontRef>
+          </p:style>
+        </p:cxnSp>
+        <p:sp>
+          <p:nvSpPr>
+            <p:cNvPr id="27" name="正方形/長方形 26">
+              <a:extLst>
+                <a:ext uri="{FF2B5EF4-FFF2-40B4-BE49-F238E27FC236}">
+                  <a16:creationId xmlns:a16="http://schemas.microsoft.com/office/drawing/2014/main" id="{9F76F4D6-B4B6-40F8-A619-152B7C12ABA0}"/>
+                </a:ext>
+              </a:extLst>
+            </p:cNvPr>
+            <p:cNvSpPr/>
+            <p:nvPr/>
+          </p:nvSpPr>
+          <p:spPr>
+            <a:xfrm>
+              <a:off x="6129875" y="1989665"/>
+              <a:ext cx="2404534" cy="541866"/>
+            </a:xfrm>
+            <a:prstGeom prst="rect">
+              <a:avLst/>
+            </a:prstGeom>
+            <a:solidFill>
+              <a:schemeClr val="bg1"/>
+            </a:solidFill>
+            <a:ln w="38100">
+              <a:solidFill>
+                <a:schemeClr val="tx1"/>
+              </a:solidFill>
+            </a:ln>
+          </p:spPr>
+          <p:style>
+            <a:lnRef idx="2">
+              <a:schemeClr val="accent1">
+                <a:shade val="50000"/>
+              </a:schemeClr>
+            </a:lnRef>
+            <a:fillRef idx="1">
+              <a:schemeClr val="accent1"/>
+            </a:fillRef>
+            <a:effectRef idx="0">
+              <a:schemeClr val="accent1"/>
+            </a:effectRef>
+            <a:fontRef idx="minor">
+              <a:schemeClr val="lt1"/>
+            </a:fontRef>
+          </p:style>
+          <p:txBody>
+            <a:bodyPr rtlCol="0" anchor="ctr"/>
+            <a:lstStyle/>
+            <a:p>
+              <a:pPr algn="ctr"/>
+              <a:r>
+                <a:rPr kumimoji="1" lang="en-US" altLang="ja-JP" dirty="0">
+                  <a:solidFill>
+                    <a:schemeClr val="tx1"/>
+                  </a:solidFill>
+                  <a:latin typeface="Arial" panose="020B0604020202020204" pitchFamily="34" charset="0"/>
+                  <a:cs typeface="Arial" panose="020B0604020202020204" pitchFamily="34" charset="0"/>
+                </a:rPr>
+                <a:t>Calculate MFCC</a:t>
+              </a:r>
+              <a:endParaRPr kumimoji="1" lang="ja-JP" altLang="en-US" dirty="0">
+                <a:solidFill>
+                  <a:schemeClr val="tx1"/>
+                </a:solidFill>
+                <a:latin typeface="Arial" panose="020B0604020202020204" pitchFamily="34" charset="0"/>
+                <a:cs typeface="Arial" panose="020B0604020202020204" pitchFamily="34" charset="0"/>
+              </a:endParaRPr>
+            </a:p>
+          </p:txBody>
+        </p:sp>
+        <p:sp>
+          <p:nvSpPr>
+            <p:cNvPr id="28" name="テキスト ボックス 27">
+              <a:extLst>
+                <a:ext uri="{FF2B5EF4-FFF2-40B4-BE49-F238E27FC236}">
+                  <a16:creationId xmlns:a16="http://schemas.microsoft.com/office/drawing/2014/main" id="{CC85415F-B8A5-4C1C-8F0B-A78983952B7B}"/>
+                </a:ext>
+              </a:extLst>
+            </p:cNvPr>
+            <p:cNvSpPr txBox="1"/>
+            <p:nvPr/>
+          </p:nvSpPr>
+          <p:spPr>
+            <a:xfrm>
+              <a:off x="8627544" y="2067067"/>
+              <a:ext cx="2544230" cy="400110"/>
+            </a:xfrm>
+            <a:prstGeom prst="rect">
+              <a:avLst/>
+            </a:prstGeom>
+            <a:noFill/>
+          </p:spPr>
+          <p:txBody>
+            <a:bodyPr wrap="square" rtlCol="0">
+              <a:spAutoFit/>
+            </a:bodyPr>
+            <a:lstStyle/>
+            <a:p>
+              <a:r>
+                <a:rPr kumimoji="1" lang="en-US" altLang="ja-JP" sz="2000" dirty="0">
+                  <a:latin typeface="Arial" panose="020B0604020202020204" pitchFamily="34" charset="0"/>
+                  <a:cs typeface="Arial" panose="020B0604020202020204" pitchFamily="34" charset="0"/>
+                </a:rPr>
+                <a:t>Feature extraction</a:t>
+              </a:r>
+              <a:endParaRPr kumimoji="1" lang="ja-JP" altLang="en-US" sz="2000" dirty="0">
+                <a:latin typeface="Arial" panose="020B0604020202020204" pitchFamily="34" charset="0"/>
+                <a:cs typeface="Arial" panose="020B0604020202020204" pitchFamily="34" charset="0"/>
+              </a:endParaRPr>
+            </a:p>
+          </p:txBody>
+        </p:sp>
+        <p:sp>
+          <p:nvSpPr>
+            <p:cNvPr id="29" name="正方形/長方形 28">
+              <a:extLst>
+                <a:ext uri="{FF2B5EF4-FFF2-40B4-BE49-F238E27FC236}">
+                  <a16:creationId xmlns:a16="http://schemas.microsoft.com/office/drawing/2014/main" id="{4483D98A-97F9-4860-A667-71F4E24DF65D}"/>
+                </a:ext>
+              </a:extLst>
+            </p:cNvPr>
+            <p:cNvSpPr/>
+            <p:nvPr/>
+          </p:nvSpPr>
+          <p:spPr>
+            <a:xfrm>
+              <a:off x="6129875" y="3072194"/>
+              <a:ext cx="2404534" cy="541866"/>
+            </a:xfrm>
+            <a:prstGeom prst="rect">
+              <a:avLst/>
+            </a:prstGeom>
+            <a:solidFill>
+              <a:schemeClr val="bg1"/>
+            </a:solidFill>
+            <a:ln w="38100">
+              <a:solidFill>
+                <a:schemeClr val="tx1"/>
+              </a:solidFill>
+            </a:ln>
+          </p:spPr>
+          <p:style>
+            <a:lnRef idx="2">
+              <a:schemeClr val="accent1">
+                <a:shade val="50000"/>
+              </a:schemeClr>
+            </a:lnRef>
+            <a:fillRef idx="1">
+              <a:schemeClr val="accent1"/>
+            </a:fillRef>
+            <a:effectRef idx="0">
+              <a:schemeClr val="accent1"/>
+            </a:effectRef>
+            <a:fontRef idx="minor">
+              <a:schemeClr val="lt1"/>
+            </a:fontRef>
+          </p:style>
+          <p:txBody>
+            <a:bodyPr rtlCol="0" anchor="ctr"/>
+            <a:lstStyle/>
+            <a:p>
+              <a:pPr algn="ctr"/>
+              <a:r>
+                <a:rPr lang="en-US" altLang="ja-JP" dirty="0">
+                  <a:solidFill>
+                    <a:schemeClr val="tx1"/>
+                  </a:solidFill>
+                  <a:latin typeface="Arial" panose="020B0604020202020204" pitchFamily="34" charset="0"/>
+                  <a:cs typeface="Arial" panose="020B0604020202020204" pitchFamily="34" charset="0"/>
+                </a:rPr>
+                <a:t>Put</a:t>
+              </a:r>
+              <a:r>
+                <a:rPr lang="ja-JP" altLang="en-US" dirty="0">
+                  <a:solidFill>
+                    <a:schemeClr val="tx1"/>
+                  </a:solidFill>
+                  <a:latin typeface="Arial" panose="020B0604020202020204" pitchFamily="34" charset="0"/>
+                  <a:cs typeface="Arial" panose="020B0604020202020204" pitchFamily="34" charset="0"/>
+                </a:rPr>
+                <a:t> </a:t>
+              </a:r>
+              <a:r>
+                <a:rPr lang="en-US" altLang="ja-JP" dirty="0">
+                  <a:solidFill>
+                    <a:schemeClr val="tx1"/>
+                  </a:solidFill>
+                  <a:latin typeface="Arial" panose="020B0604020202020204" pitchFamily="34" charset="0"/>
+                  <a:cs typeface="Arial" panose="020B0604020202020204" pitchFamily="34" charset="0"/>
+                </a:rPr>
+                <a:t>into</a:t>
+              </a:r>
+              <a:r>
+                <a:rPr lang="ja-JP" altLang="en-US" dirty="0">
+                  <a:solidFill>
+                    <a:schemeClr val="tx1"/>
+                  </a:solidFill>
+                  <a:latin typeface="Arial" panose="020B0604020202020204" pitchFamily="34" charset="0"/>
+                  <a:cs typeface="Arial" panose="020B0604020202020204" pitchFamily="34" charset="0"/>
+                </a:rPr>
+                <a:t> </a:t>
+              </a:r>
+              <a:r>
+                <a:rPr lang="en-US" altLang="ja-JP" dirty="0">
+                  <a:solidFill>
+                    <a:schemeClr val="tx1"/>
+                  </a:solidFill>
+                  <a:latin typeface="Arial" panose="020B0604020202020204" pitchFamily="34" charset="0"/>
+                  <a:cs typeface="Arial" panose="020B0604020202020204" pitchFamily="34" charset="0"/>
+                </a:rPr>
+                <a:t>the</a:t>
+              </a:r>
+              <a:r>
+                <a:rPr lang="ja-JP" altLang="en-US" dirty="0">
+                  <a:solidFill>
+                    <a:schemeClr val="tx1"/>
+                  </a:solidFill>
+                  <a:latin typeface="Arial" panose="020B0604020202020204" pitchFamily="34" charset="0"/>
+                  <a:cs typeface="Arial" panose="020B0604020202020204" pitchFamily="34" charset="0"/>
+                </a:rPr>
+                <a:t> </a:t>
+              </a:r>
+              <a:r>
+                <a:rPr lang="en-US" altLang="ja-JP" dirty="0">
+                  <a:solidFill>
+                    <a:schemeClr val="tx1"/>
+                  </a:solidFill>
+                  <a:latin typeface="Arial" panose="020B0604020202020204" pitchFamily="34" charset="0"/>
+                  <a:cs typeface="Arial" panose="020B0604020202020204" pitchFamily="34" charset="0"/>
+                </a:rPr>
+                <a:t>model</a:t>
+              </a:r>
+              <a:endParaRPr kumimoji="1" lang="ja-JP" altLang="en-US" dirty="0">
+                <a:solidFill>
+                  <a:schemeClr val="tx1"/>
+                </a:solidFill>
+                <a:latin typeface="Arial" panose="020B0604020202020204" pitchFamily="34" charset="0"/>
+                <a:cs typeface="Arial" panose="020B0604020202020204" pitchFamily="34" charset="0"/>
+              </a:endParaRPr>
+            </a:p>
+          </p:txBody>
+        </p:sp>
+        <p:sp>
+          <p:nvSpPr>
+            <p:cNvPr id="30" name="テキスト ボックス 29">
+              <a:extLst>
+                <a:ext uri="{FF2B5EF4-FFF2-40B4-BE49-F238E27FC236}">
+                  <a16:creationId xmlns:a16="http://schemas.microsoft.com/office/drawing/2014/main" id="{06E27491-D665-4D08-ACCA-A1C247480112}"/>
+                </a:ext>
+              </a:extLst>
+            </p:cNvPr>
+            <p:cNvSpPr txBox="1"/>
+            <p:nvPr/>
+          </p:nvSpPr>
+          <p:spPr>
+            <a:xfrm>
+              <a:off x="8627544" y="3149596"/>
+              <a:ext cx="2544230" cy="400110"/>
+            </a:xfrm>
+            <a:prstGeom prst="rect">
+              <a:avLst/>
+            </a:prstGeom>
+            <a:noFill/>
+          </p:spPr>
+          <p:txBody>
+            <a:bodyPr wrap="square" rtlCol="0">
+              <a:spAutoFit/>
+            </a:bodyPr>
+            <a:lstStyle/>
+            <a:p>
+              <a:r>
+                <a:rPr lang="en-US" altLang="ja-JP" sz="2000" dirty="0">
+                  <a:latin typeface="Arial" panose="020B0604020202020204" pitchFamily="34" charset="0"/>
+                  <a:cs typeface="Arial" panose="020B0604020202020204" pitchFamily="34" charset="0"/>
+                </a:rPr>
+                <a:t>Classification</a:t>
+              </a:r>
+              <a:endParaRPr kumimoji="1" lang="ja-JP" altLang="en-US" sz="2000" dirty="0">
+                <a:latin typeface="Arial" panose="020B0604020202020204" pitchFamily="34" charset="0"/>
+                <a:cs typeface="Arial" panose="020B0604020202020204" pitchFamily="34" charset="0"/>
+              </a:endParaRPr>
+            </a:p>
+          </p:txBody>
+        </p:sp>
+        <mc:AlternateContent xmlns:mc="http://schemas.openxmlformats.org/markup-compatibility/2006">
+          <mc:Choice xmlns:a14="http://schemas.microsoft.com/office/drawing/2010/main" Requires="a14">
+            <p:sp>
+              <p:nvSpPr>
+                <p:cNvPr id="33" name="ひし形 32">
+                  <a:extLst>
+                    <a:ext uri="{FF2B5EF4-FFF2-40B4-BE49-F238E27FC236}">
+                      <a16:creationId xmlns:a16="http://schemas.microsoft.com/office/drawing/2014/main" id="{26F710B6-8A59-411F-A6F3-A5BAE87483BA}"/>
+                    </a:ext>
+                  </a:extLst>
+                </p:cNvPr>
+                <p:cNvSpPr/>
+                <p:nvPr/>
+              </p:nvSpPr>
+              <p:spPr>
+                <a:xfrm>
+                  <a:off x="6129875" y="4158148"/>
+                  <a:ext cx="2404534" cy="778932"/>
+                </a:xfrm>
+                <a:prstGeom prst="diamond">
+                  <a:avLst/>
+                </a:prstGeom>
+                <a:solidFill>
+                  <a:schemeClr val="bg1"/>
+                </a:solidFill>
+                <a:ln w="38100">
+                  <a:solidFill>
+                    <a:schemeClr val="tx1"/>
+                  </a:solidFill>
+                </a:ln>
+              </p:spPr>
+              <p:style>
+                <a:lnRef idx="2">
+                  <a:schemeClr val="accent1">
+                    <a:shade val="50000"/>
+                  </a:schemeClr>
+                </a:lnRef>
+                <a:fillRef idx="1">
+                  <a:schemeClr val="accent1"/>
+                </a:fillRef>
+                <a:effectRef idx="0">
+                  <a:schemeClr val="accent1"/>
+                </a:effectRef>
+                <a:fontRef idx="minor">
+                  <a:schemeClr val="lt1"/>
+                </a:fontRef>
+              </p:style>
+              <p:txBody>
+                <a:bodyPr rtlCol="0" anchor="ctr"/>
+                <a:lstStyle/>
+                <a:p>
+                  <a:pPr algn="ctr"/>
+                  <a14:m>
+                    <m:oMathPara xmlns:m="http://schemas.openxmlformats.org/officeDocument/2006/math">
+                      <m:oMathParaPr>
+                        <m:jc m:val="centerGroup"/>
+                      </m:oMathParaPr>
+                      <m:oMath xmlns:m="http://schemas.openxmlformats.org/officeDocument/2006/math">
+                        <m:r>
+                          <a:rPr kumimoji="1" lang="en-US" altLang="ja-JP" b="0" i="1" smtClean="0">
+                            <a:solidFill>
+                              <a:schemeClr val="tx1"/>
+                            </a:solidFill>
+                            <a:latin typeface="Cambria Math" panose="02040503050406030204" pitchFamily="18" charset="0"/>
+                          </a:rPr>
+                          <m:t>𝑊</m:t>
+                        </m:r>
+                        <m:r>
+                          <a:rPr kumimoji="1" lang="en-US" altLang="ja-JP" b="0" i="1" smtClean="0">
+                            <a:solidFill>
+                              <a:schemeClr val="tx1"/>
+                            </a:solidFill>
+                            <a:latin typeface="Cambria Math" panose="02040503050406030204" pitchFamily="18" charset="0"/>
+                          </a:rPr>
+                          <m:t>&gt;90%</m:t>
+                        </m:r>
+                      </m:oMath>
+                    </m:oMathPara>
+                  </a14:m>
+                  <a:endParaRPr kumimoji="1" lang="ja-JP" altLang="en-US" dirty="0"/>
+                </a:p>
+              </p:txBody>
+            </p:sp>
+          </mc:Choice>
+          <mc:Fallback>
+            <p:sp>
+              <p:nvSpPr>
+                <p:cNvPr id="33" name="ひし形 32">
+                  <a:extLst>
+                    <a:ext uri="{FF2B5EF4-FFF2-40B4-BE49-F238E27FC236}">
+                      <a16:creationId xmlns:a16="http://schemas.microsoft.com/office/drawing/2014/main" id="{26F710B6-8A59-411F-A6F3-A5BAE87483BA}"/>
+                    </a:ext>
+                  </a:extLst>
+                </p:cNvPr>
+                <p:cNvSpPr>
+                  <a:spLocks noRot="1" noChangeAspect="1" noMove="1" noResize="1" noEditPoints="1" noAdjustHandles="1" noChangeArrowheads="1" noChangeShapeType="1" noTextEdit="1"/>
+                </p:cNvSpPr>
+                <p:nvPr/>
+              </p:nvSpPr>
+              <p:spPr>
+                <a:xfrm>
+                  <a:off x="6129875" y="4158148"/>
+                  <a:ext cx="2404534" cy="778932"/>
+                </a:xfrm>
+                <a:prstGeom prst="diamond">
+                  <a:avLst/>
+                </a:prstGeom>
+                <a:blipFill>
+                  <a:blip r:embed="rId5"/>
+                  <a:stretch>
+                    <a:fillRect/>
+                  </a:stretch>
+                </a:blipFill>
+                <a:ln w="38100">
+                  <a:solidFill>
+                    <a:schemeClr val="tx1"/>
+                  </a:solidFill>
+                </a:ln>
+              </p:spPr>
+              <p:txBody>
+                <a:bodyPr/>
+                <a:lstStyle/>
+                <a:p>
+                  <a:r>
+                    <a:rPr lang="ja-JP" altLang="en-US">
+                      <a:noFill/>
+                    </a:rPr>
+                    <a:t> </a:t>
+                  </a:r>
+                </a:p>
+              </p:txBody>
+            </p:sp>
+          </mc:Fallback>
+        </mc:AlternateContent>
+        <p:sp>
+          <p:nvSpPr>
+            <p:cNvPr id="34" name="正方形/長方形 33">
+              <a:extLst>
+                <a:ext uri="{FF2B5EF4-FFF2-40B4-BE49-F238E27FC236}">
+                  <a16:creationId xmlns:a16="http://schemas.microsoft.com/office/drawing/2014/main" id="{AF53DEEF-332B-4CE9-A7BA-688E389B75D6}"/>
+                </a:ext>
+              </a:extLst>
+            </p:cNvPr>
+            <p:cNvSpPr/>
+            <p:nvPr/>
+          </p:nvSpPr>
+          <p:spPr>
+            <a:xfrm>
+              <a:off x="1478025" y="4823890"/>
+              <a:ext cx="1778000" cy="541866"/>
+            </a:xfrm>
+            <a:prstGeom prst="rect">
+              <a:avLst/>
+            </a:prstGeom>
+            <a:solidFill>
+              <a:schemeClr val="bg1"/>
+            </a:solidFill>
+            <a:ln w="38100">
+              <a:solidFill>
+                <a:schemeClr val="tx1"/>
+              </a:solidFill>
+            </a:ln>
+          </p:spPr>
+          <p:style>
+            <a:lnRef idx="2">
+              <a:schemeClr val="accent1">
+                <a:shade val="50000"/>
+              </a:schemeClr>
+            </a:lnRef>
+            <a:fillRef idx="1">
+              <a:schemeClr val="accent1"/>
+            </a:fillRef>
+            <a:effectRef idx="0">
+              <a:schemeClr val="accent1"/>
+            </a:effectRef>
+            <a:fontRef idx="minor">
+              <a:schemeClr val="lt1"/>
+            </a:fontRef>
+          </p:style>
+          <p:txBody>
+            <a:bodyPr rtlCol="0" anchor="ctr"/>
+            <a:lstStyle/>
+            <a:p>
+              <a:pPr algn="ctr"/>
+              <a:r>
+                <a:rPr lang="en-US" altLang="ja-JP" dirty="0">
+                  <a:solidFill>
+                    <a:schemeClr val="tx1"/>
+                  </a:solidFill>
+                  <a:latin typeface="Arial" panose="020B0604020202020204" pitchFamily="34" charset="0"/>
+                  <a:cs typeface="Arial" panose="020B0604020202020204" pitchFamily="34" charset="0"/>
+                </a:rPr>
+                <a:t>Record</a:t>
+              </a:r>
+              <a:r>
+                <a:rPr lang="ja-JP" altLang="en-US" dirty="0">
+                  <a:solidFill>
+                    <a:schemeClr val="tx1"/>
+                  </a:solidFill>
+                  <a:latin typeface="Arial" panose="020B0604020202020204" pitchFamily="34" charset="0"/>
+                  <a:cs typeface="Arial" panose="020B0604020202020204" pitchFamily="34" charset="0"/>
+                </a:rPr>
+                <a:t> </a:t>
+              </a:r>
+              <a:r>
+                <a:rPr lang="en-US" altLang="ja-JP" dirty="0">
+                  <a:solidFill>
+                    <a:schemeClr val="tx1"/>
+                  </a:solidFill>
+                  <a:latin typeface="Arial" panose="020B0604020202020204" pitchFamily="34" charset="0"/>
+                  <a:cs typeface="Arial" panose="020B0604020202020204" pitchFamily="34" charset="0"/>
+                </a:rPr>
+                <a:t>sound</a:t>
+              </a:r>
+              <a:endParaRPr kumimoji="1" lang="ja-JP" altLang="en-US" dirty="0">
+                <a:solidFill>
+                  <a:schemeClr val="tx1"/>
+                </a:solidFill>
+                <a:latin typeface="Arial" panose="020B0604020202020204" pitchFamily="34" charset="0"/>
+                <a:cs typeface="Arial" panose="020B0604020202020204" pitchFamily="34" charset="0"/>
+              </a:endParaRPr>
+            </a:p>
+          </p:txBody>
+        </p:sp>
+        <p:cxnSp>
+          <p:nvCxnSpPr>
+            <p:cNvPr id="76" name="直線矢印コネクタ 75">
+              <a:extLst>
+                <a:ext uri="{FF2B5EF4-FFF2-40B4-BE49-F238E27FC236}">
+                  <a16:creationId xmlns:a16="http://schemas.microsoft.com/office/drawing/2014/main" id="{FCDACBBC-359D-4371-8D49-0CBC35001734}"/>
+                </a:ext>
+              </a:extLst>
+            </p:cNvPr>
+            <p:cNvCxnSpPr>
+              <a:cxnSpLocks/>
+              <a:stCxn id="27" idx="2"/>
+              <a:endCxn id="29" idx="0"/>
+            </p:cNvCxnSpPr>
+            <p:nvPr/>
+          </p:nvCxnSpPr>
+          <p:spPr>
+            <a:xfrm>
+              <a:off x="7332142" y="2531531"/>
+              <a:ext cx="0" cy="540663"/>
+            </a:xfrm>
+            <a:prstGeom prst="straightConnector1">
+              <a:avLst/>
+            </a:prstGeom>
+            <a:ln w="38100">
+              <a:solidFill>
+                <a:schemeClr val="tx1"/>
+              </a:solidFill>
+              <a:tailEnd type="triangle"/>
+            </a:ln>
+          </p:spPr>
+          <p:style>
+            <a:lnRef idx="1">
+              <a:schemeClr val="accent1"/>
+            </a:lnRef>
+            <a:fillRef idx="0">
+              <a:schemeClr val="accent1"/>
+            </a:fillRef>
+            <a:effectRef idx="0">
+              <a:schemeClr val="accent1"/>
+            </a:effectRef>
+            <a:fontRef idx="minor">
+              <a:schemeClr val="tx1"/>
+            </a:fontRef>
+          </p:style>
+        </p:cxnSp>
+        <p:cxnSp>
+          <p:nvCxnSpPr>
+            <p:cNvPr id="78" name="直線矢印コネクタ 77">
+              <a:extLst>
+                <a:ext uri="{FF2B5EF4-FFF2-40B4-BE49-F238E27FC236}">
+                  <a16:creationId xmlns:a16="http://schemas.microsoft.com/office/drawing/2014/main" id="{8169A84A-4FE4-40A1-982A-675123F00686}"/>
+                </a:ext>
+              </a:extLst>
+            </p:cNvPr>
+            <p:cNvCxnSpPr>
+              <a:cxnSpLocks/>
+              <a:stCxn id="29" idx="2"/>
+              <a:endCxn id="33" idx="0"/>
+            </p:cNvCxnSpPr>
+            <p:nvPr/>
+          </p:nvCxnSpPr>
+          <p:spPr>
+            <a:xfrm>
+              <a:off x="7332142" y="3614060"/>
+              <a:ext cx="0" cy="544088"/>
+            </a:xfrm>
+            <a:prstGeom prst="straightConnector1">
+              <a:avLst/>
+            </a:prstGeom>
+            <a:ln w="38100">
+              <a:solidFill>
+                <a:schemeClr val="tx1"/>
+              </a:solidFill>
+              <a:tailEnd type="triangle"/>
+            </a:ln>
+          </p:spPr>
+          <p:style>
+            <a:lnRef idx="1">
+              <a:schemeClr val="accent1"/>
+            </a:lnRef>
+            <a:fillRef idx="0">
+              <a:schemeClr val="accent1"/>
+            </a:fillRef>
+            <a:effectRef idx="0">
+              <a:schemeClr val="accent1"/>
+            </a:effectRef>
+            <a:fontRef idx="minor">
+              <a:schemeClr val="tx1"/>
+            </a:fontRef>
+          </p:style>
+        </p:cxnSp>
+        <mc:AlternateContent xmlns:mc="http://schemas.openxmlformats.org/markup-compatibility/2006">
+          <mc:Choice xmlns:a14="http://schemas.microsoft.com/office/drawing/2010/main" Requires="a14">
+            <p:sp>
+              <p:nvSpPr>
+                <p:cNvPr id="84" name="テキスト ボックス 83">
+                  <a:extLst>
+                    <a:ext uri="{FF2B5EF4-FFF2-40B4-BE49-F238E27FC236}">
+                      <a16:creationId xmlns:a16="http://schemas.microsoft.com/office/drawing/2014/main" id="{60D67646-B5CA-4F3B-BCCE-5BC6E24B8216}"/>
+                    </a:ext>
+                  </a:extLst>
+                </p:cNvPr>
+                <p:cNvSpPr txBox="1"/>
+                <p:nvPr/>
+              </p:nvSpPr>
+              <p:spPr>
+                <a:xfrm>
+                  <a:off x="7355429" y="3716827"/>
+                  <a:ext cx="1602303" cy="338554"/>
+                </a:xfrm>
+                <a:prstGeom prst="rect">
+                  <a:avLst/>
+                </a:prstGeom>
+                <a:noFill/>
+              </p:spPr>
+              <p:txBody>
+                <a:bodyPr wrap="square" rtlCol="0">
+                  <a:spAutoFit/>
+                </a:bodyPr>
+                <a:lstStyle/>
+                <a:p>
+                  <a14:m>
+                    <m:oMath xmlns:m="http://schemas.openxmlformats.org/officeDocument/2006/math">
+                      <m:r>
+                        <a:rPr kumimoji="1" lang="en-US" altLang="ja-JP" sz="1600" b="0" i="1" smtClean="0">
+                          <a:latin typeface="Cambria Math" panose="02040503050406030204" pitchFamily="18" charset="0"/>
+                          <a:cs typeface="Arial" panose="020B0604020202020204" pitchFamily="34" charset="0"/>
+                        </a:rPr>
+                        <m:t>𝑊</m:t>
+                      </m:r>
+                    </m:oMath>
+                  </a14:m>
+                  <a:r>
+                    <a:rPr kumimoji="1" lang="ja-JP" altLang="en-US" sz="1600" dirty="0">
+                      <a:latin typeface="Arial" panose="020B0604020202020204" pitchFamily="34" charset="0"/>
+                      <a:cs typeface="Arial" panose="020B0604020202020204" pitchFamily="34" charset="0"/>
+                    </a:rPr>
+                    <a:t> </a:t>
+                  </a:r>
+                  <a:r>
+                    <a:rPr kumimoji="1" lang="en-US" altLang="ja-JP" sz="1600" dirty="0">
+                      <a:latin typeface="Arial" panose="020B0604020202020204" pitchFamily="34" charset="0"/>
+                      <a:cs typeface="Arial" panose="020B0604020202020204" pitchFamily="34" charset="0"/>
+                    </a:rPr>
+                    <a:t>(Water level)</a:t>
+                  </a:r>
+                  <a:endParaRPr kumimoji="1" lang="ja-JP" altLang="en-US" sz="1600" dirty="0">
+                    <a:latin typeface="Arial" panose="020B0604020202020204" pitchFamily="34" charset="0"/>
+                    <a:cs typeface="Arial" panose="020B0604020202020204" pitchFamily="34" charset="0"/>
+                  </a:endParaRPr>
+                </a:p>
+              </p:txBody>
+            </p:sp>
+          </mc:Choice>
+          <mc:Fallback>
+            <p:sp>
+              <p:nvSpPr>
+                <p:cNvPr id="84" name="テキスト ボックス 83">
+                  <a:extLst>
+                    <a:ext uri="{FF2B5EF4-FFF2-40B4-BE49-F238E27FC236}">
+                      <a16:creationId xmlns:a16="http://schemas.microsoft.com/office/drawing/2014/main" id="{60D67646-B5CA-4F3B-BCCE-5BC6E24B8216}"/>
+                    </a:ext>
+                  </a:extLst>
+                </p:cNvPr>
+                <p:cNvSpPr txBox="1">
+                  <a:spLocks noRot="1" noChangeAspect="1" noMove="1" noResize="1" noEditPoints="1" noAdjustHandles="1" noChangeArrowheads="1" noChangeShapeType="1" noTextEdit="1"/>
+                </p:cNvSpPr>
+                <p:nvPr/>
+              </p:nvSpPr>
+              <p:spPr>
+                <a:xfrm>
+                  <a:off x="7355429" y="3716827"/>
+                  <a:ext cx="1602303" cy="338554"/>
+                </a:xfrm>
+                <a:prstGeom prst="rect">
+                  <a:avLst/>
+                </a:prstGeom>
+                <a:blipFill>
+                  <a:blip r:embed="rId6"/>
+                  <a:stretch>
+                    <a:fillRect t="-5357" b="-21429"/>
+                  </a:stretch>
+                </a:blipFill>
+              </p:spPr>
+              <p:txBody>
+                <a:bodyPr/>
+                <a:lstStyle/>
+                <a:p>
+                  <a:r>
+                    <a:rPr lang="ja-JP" altLang="en-US">
+                      <a:noFill/>
+                    </a:rPr>
+                    <a:t> </a:t>
+                  </a:r>
+                </a:p>
+              </p:txBody>
+            </p:sp>
+          </mc:Fallback>
+        </mc:AlternateContent>
+        <p:cxnSp>
+          <p:nvCxnSpPr>
+            <p:cNvPr id="96" name="コネクタ: カギ線 95">
+              <a:extLst>
+                <a:ext uri="{FF2B5EF4-FFF2-40B4-BE49-F238E27FC236}">
+                  <a16:creationId xmlns:a16="http://schemas.microsoft.com/office/drawing/2014/main" id="{7D90AD17-6D9C-40F4-B622-D171F2526054}"/>
+                </a:ext>
+              </a:extLst>
+            </p:cNvPr>
+            <p:cNvCxnSpPr>
+              <a:cxnSpLocks/>
+              <a:stCxn id="33" idx="2"/>
+              <a:endCxn id="34" idx="3"/>
+            </p:cNvCxnSpPr>
+            <p:nvPr/>
+          </p:nvCxnSpPr>
+          <p:spPr>
+            <a:xfrm rot="5400000">
+              <a:off x="5215213" y="2977893"/>
+              <a:ext cx="157743" cy="4076117"/>
+            </a:xfrm>
+            <a:prstGeom prst="bentConnector2">
+              <a:avLst/>
+            </a:prstGeom>
+            <a:ln w="38100">
+              <a:solidFill>
+                <a:srgbClr val="0070C0"/>
+              </a:solidFill>
+              <a:tailEnd type="triangle"/>
+            </a:ln>
+          </p:spPr>
+          <p:style>
+            <a:lnRef idx="1">
+              <a:schemeClr val="accent1"/>
+            </a:lnRef>
+            <a:fillRef idx="0">
+              <a:schemeClr val="accent1"/>
+            </a:fillRef>
+            <a:effectRef idx="0">
+              <a:schemeClr val="accent1"/>
+            </a:effectRef>
+            <a:fontRef idx="minor">
+              <a:schemeClr val="tx1"/>
+            </a:fontRef>
+          </p:style>
+        </p:cxnSp>
+        <p:cxnSp>
+          <p:nvCxnSpPr>
+            <p:cNvPr id="108" name="コネクタ: カギ線 107">
+              <a:extLst>
+                <a:ext uri="{FF2B5EF4-FFF2-40B4-BE49-F238E27FC236}">
+                  <a16:creationId xmlns:a16="http://schemas.microsoft.com/office/drawing/2014/main" id="{59888663-7AF7-4472-A26D-9A84F022DB85}"/>
+                </a:ext>
+              </a:extLst>
+            </p:cNvPr>
+            <p:cNvCxnSpPr>
+              <a:stCxn id="33" idx="1"/>
+              <a:endCxn id="19" idx="3"/>
+            </p:cNvCxnSpPr>
+            <p:nvPr/>
+          </p:nvCxnSpPr>
+          <p:spPr>
+            <a:xfrm rot="10800000">
+              <a:off x="3704761" y="3424668"/>
+              <a:ext cx="2425115" cy="1122947"/>
+            </a:xfrm>
+            <a:prstGeom prst="bentConnector3">
+              <a:avLst/>
+            </a:prstGeom>
+            <a:ln w="38100">
+              <a:solidFill>
+                <a:srgbClr val="FF0000"/>
+              </a:solidFill>
+              <a:tailEnd type="triangle"/>
+            </a:ln>
+          </p:spPr>
+          <p:style>
+            <a:lnRef idx="1">
+              <a:schemeClr val="accent1"/>
+            </a:lnRef>
+            <a:fillRef idx="0">
+              <a:schemeClr val="accent1"/>
+            </a:fillRef>
+            <a:effectRef idx="0">
+              <a:schemeClr val="accent1"/>
+            </a:effectRef>
+            <a:fontRef idx="minor">
+              <a:schemeClr val="tx1"/>
+            </a:fontRef>
+          </p:style>
+        </p:cxnSp>
+        <p:sp>
+          <p:nvSpPr>
+            <p:cNvPr id="111" name="正方形/長方形 110">
+              <a:extLst>
+                <a:ext uri="{FF2B5EF4-FFF2-40B4-BE49-F238E27FC236}">
+                  <a16:creationId xmlns:a16="http://schemas.microsoft.com/office/drawing/2014/main" id="{8F210461-C2F0-4763-9F91-6ECB61434F8A}"/>
+                </a:ext>
+              </a:extLst>
+            </p:cNvPr>
+            <p:cNvSpPr/>
+            <p:nvPr/>
+          </p:nvSpPr>
+          <p:spPr>
+            <a:xfrm>
+              <a:off x="4032552" y="3737484"/>
+              <a:ext cx="1778000" cy="541866"/>
+            </a:xfrm>
+            <a:prstGeom prst="rect">
+              <a:avLst/>
+            </a:prstGeom>
+            <a:solidFill>
+              <a:schemeClr val="bg1"/>
+            </a:solidFill>
+            <a:ln w="38100">
+              <a:solidFill>
+                <a:schemeClr val="tx1"/>
+              </a:solidFill>
+            </a:ln>
+          </p:spPr>
+          <p:style>
+            <a:lnRef idx="2">
+              <a:schemeClr val="accent1">
+                <a:shade val="50000"/>
+              </a:schemeClr>
+            </a:lnRef>
+            <a:fillRef idx="1">
+              <a:schemeClr val="accent1"/>
+            </a:fillRef>
+            <a:effectRef idx="0">
+              <a:schemeClr val="accent1"/>
+            </a:effectRef>
+            <a:fontRef idx="minor">
+              <a:schemeClr val="lt1"/>
+            </a:fontRef>
+          </p:style>
+          <p:txBody>
+            <a:bodyPr rtlCol="0" anchor="ctr"/>
+            <a:lstStyle/>
+            <a:p>
+              <a:pPr algn="ctr"/>
+              <a:r>
+                <a:rPr lang="en-US" altLang="ja-JP" dirty="0">
+                  <a:solidFill>
+                    <a:schemeClr val="tx1"/>
+                  </a:solidFill>
+                  <a:latin typeface="Arial" panose="020B0604020202020204" pitchFamily="34" charset="0"/>
+                  <a:cs typeface="Arial" panose="020B0604020202020204" pitchFamily="34" charset="0"/>
+                </a:rPr>
+                <a:t>Close</a:t>
+              </a:r>
+              <a:r>
+                <a:rPr lang="ja-JP" altLang="en-US" dirty="0">
+                  <a:solidFill>
+                    <a:schemeClr val="tx1"/>
+                  </a:solidFill>
+                  <a:latin typeface="Arial" panose="020B0604020202020204" pitchFamily="34" charset="0"/>
+                  <a:cs typeface="Arial" panose="020B0604020202020204" pitchFamily="34" charset="0"/>
+                </a:rPr>
+                <a:t> </a:t>
+              </a:r>
+              <a:r>
+                <a:rPr lang="en-US" altLang="ja-JP" dirty="0">
+                  <a:solidFill>
+                    <a:schemeClr val="tx1"/>
+                  </a:solidFill>
+                  <a:latin typeface="Arial" panose="020B0604020202020204" pitchFamily="34" charset="0"/>
+                  <a:cs typeface="Arial" panose="020B0604020202020204" pitchFamily="34" charset="0"/>
+                </a:rPr>
+                <a:t>valve</a:t>
+              </a:r>
+              <a:endParaRPr kumimoji="1" lang="ja-JP" altLang="en-US" dirty="0">
+                <a:solidFill>
+                  <a:schemeClr val="tx1"/>
+                </a:solidFill>
+                <a:latin typeface="Arial" panose="020B0604020202020204" pitchFamily="34" charset="0"/>
+                <a:cs typeface="Arial" panose="020B0604020202020204" pitchFamily="34" charset="0"/>
+              </a:endParaRPr>
+            </a:p>
+          </p:txBody>
+        </p:sp>
+        <p:sp>
+          <p:nvSpPr>
+            <p:cNvPr id="114" name="テキスト ボックス 113">
+              <a:extLst>
+                <a:ext uri="{FF2B5EF4-FFF2-40B4-BE49-F238E27FC236}">
+                  <a16:creationId xmlns:a16="http://schemas.microsoft.com/office/drawing/2014/main" id="{B8B4C664-665B-481C-BAF1-5275FC918D72}"/>
+                </a:ext>
+              </a:extLst>
+            </p:cNvPr>
+            <p:cNvSpPr txBox="1"/>
+            <p:nvPr/>
+          </p:nvSpPr>
+          <p:spPr>
+            <a:xfrm>
+              <a:off x="5600865" y="4551469"/>
+              <a:ext cx="620160" cy="338554"/>
+            </a:xfrm>
+            <a:prstGeom prst="rect">
+              <a:avLst/>
+            </a:prstGeom>
+            <a:noFill/>
+          </p:spPr>
+          <p:txBody>
+            <a:bodyPr wrap="square" rtlCol="0">
+              <a:spAutoFit/>
+            </a:bodyPr>
+            <a:lstStyle/>
+            <a:p>
+              <a:pPr algn="ctr"/>
+              <a:r>
+                <a:rPr lang="en-US" altLang="ja-JP" sz="1600" dirty="0">
+                  <a:latin typeface="Arial" panose="020B0604020202020204" pitchFamily="34" charset="0"/>
+                  <a:cs typeface="Arial" panose="020B0604020202020204" pitchFamily="34" charset="0"/>
+                </a:rPr>
+                <a:t>Yes</a:t>
+              </a:r>
+              <a:endParaRPr kumimoji="1" lang="ja-JP" altLang="en-US" sz="1600" dirty="0">
+                <a:latin typeface="Arial" panose="020B0604020202020204" pitchFamily="34" charset="0"/>
+                <a:cs typeface="Arial" panose="020B0604020202020204" pitchFamily="34" charset="0"/>
+              </a:endParaRPr>
+            </a:p>
+          </p:txBody>
+        </p:sp>
+        <p:sp>
+          <p:nvSpPr>
+            <p:cNvPr id="116" name="テキスト ボックス 115">
+              <a:extLst>
+                <a:ext uri="{FF2B5EF4-FFF2-40B4-BE49-F238E27FC236}">
+                  <a16:creationId xmlns:a16="http://schemas.microsoft.com/office/drawing/2014/main" id="{2681E744-8061-453F-8627-68FFC0AA14FE}"/>
+                </a:ext>
+              </a:extLst>
+            </p:cNvPr>
+            <p:cNvSpPr txBox="1"/>
+            <p:nvPr/>
+          </p:nvSpPr>
+          <p:spPr>
+            <a:xfrm>
+              <a:off x="6803131" y="5093558"/>
+              <a:ext cx="620160" cy="338554"/>
+            </a:xfrm>
+            <a:prstGeom prst="rect">
+              <a:avLst/>
+            </a:prstGeom>
+            <a:noFill/>
+          </p:spPr>
+          <p:txBody>
+            <a:bodyPr wrap="square" rtlCol="0">
+              <a:spAutoFit/>
+            </a:bodyPr>
+            <a:lstStyle/>
+            <a:p>
+              <a:pPr algn="ctr"/>
+              <a:r>
+                <a:rPr lang="en-US" altLang="ja-JP" sz="1600" dirty="0">
+                  <a:latin typeface="Arial" panose="020B0604020202020204" pitchFamily="34" charset="0"/>
+                  <a:cs typeface="Arial" panose="020B0604020202020204" pitchFamily="34" charset="0"/>
+                </a:rPr>
+                <a:t>No</a:t>
+              </a:r>
+              <a:endParaRPr kumimoji="1" lang="ja-JP" altLang="en-US" sz="1600" dirty="0">
+                <a:latin typeface="Arial" panose="020B0604020202020204" pitchFamily="34" charset="0"/>
+                <a:cs typeface="Arial" panose="020B0604020202020204" pitchFamily="34" charset="0"/>
+              </a:endParaRPr>
+            </a:p>
+          </p:txBody>
+        </p:sp>
+        <p:cxnSp>
+          <p:nvCxnSpPr>
+            <p:cNvPr id="149" name="コネクタ: カギ線 148">
+              <a:extLst>
+                <a:ext uri="{FF2B5EF4-FFF2-40B4-BE49-F238E27FC236}">
+                  <a16:creationId xmlns:a16="http://schemas.microsoft.com/office/drawing/2014/main" id="{E2F4662E-A2D0-4E61-A4CF-9D6294AD67A2}"/>
+                </a:ext>
+              </a:extLst>
+            </p:cNvPr>
+            <p:cNvCxnSpPr>
+              <a:stCxn id="9" idx="6"/>
+              <a:endCxn id="27" idx="1"/>
+            </p:cNvCxnSpPr>
+            <p:nvPr/>
+          </p:nvCxnSpPr>
+          <p:spPr>
+            <a:xfrm flipV="1">
+              <a:off x="2928698" y="2260598"/>
+              <a:ext cx="3201177" cy="711309"/>
+            </a:xfrm>
+            <a:prstGeom prst="bentConnector3">
+              <a:avLst>
+                <a:gd name="adj1" fmla="val 62431"/>
+              </a:avLst>
+            </a:prstGeom>
+            <a:ln w="38100">
+              <a:solidFill>
+                <a:schemeClr val="tx1"/>
+              </a:solidFill>
+              <a:tailEnd type="triangle"/>
+            </a:ln>
+          </p:spPr>
+          <p:style>
+            <a:lnRef idx="1">
+              <a:schemeClr val="accent1"/>
+            </a:lnRef>
+            <a:fillRef idx="0">
+              <a:schemeClr val="accent1"/>
+            </a:fillRef>
+            <a:effectRef idx="0">
+              <a:schemeClr val="accent1"/>
+            </a:effectRef>
+            <a:fontRef idx="minor">
+              <a:schemeClr val="tx1"/>
+            </a:fontRef>
+          </p:style>
+        </p:cxnSp>
+      </p:grpSp>
     </p:spTree>
     <p:extLst>
       <p:ext uri="{BB962C8B-B14F-4D97-AF65-F5344CB8AC3E}">

--- a/paper/water/figures/figures.pptx
+++ b/paper/water/figures/figures.pptx
@@ -259,7 +259,7 @@
           <a:p>
             <a:fld id="{A05AD41B-1A41-418A-9EA5-B602D5FD2BF3}" type="datetimeFigureOut">
               <a:rPr kumimoji="1" lang="ja-JP" altLang="en-US" smtClean="0"/>
-              <a:t>2021/12/6</a:t>
+              <a:t>2021/12/9</a:t>
             </a:fld>
             <a:endParaRPr kumimoji="1" lang="ja-JP" altLang="en-US"/>
           </a:p>
@@ -489,7 +489,7 @@
           <a:p>
             <a:fld id="{A05AD41B-1A41-418A-9EA5-B602D5FD2BF3}" type="datetimeFigureOut">
               <a:rPr kumimoji="1" lang="ja-JP" altLang="en-US" smtClean="0"/>
-              <a:t>2021/12/6</a:t>
+              <a:t>2021/12/9</a:t>
             </a:fld>
             <a:endParaRPr kumimoji="1" lang="ja-JP" altLang="en-US"/>
           </a:p>
@@ -729,7 +729,7 @@
           <a:p>
             <a:fld id="{A05AD41B-1A41-418A-9EA5-B602D5FD2BF3}" type="datetimeFigureOut">
               <a:rPr kumimoji="1" lang="ja-JP" altLang="en-US" smtClean="0"/>
-              <a:t>2021/12/6</a:t>
+              <a:t>2021/12/9</a:t>
             </a:fld>
             <a:endParaRPr kumimoji="1" lang="ja-JP" altLang="en-US"/>
           </a:p>
@@ -959,7 +959,7 @@
           <a:p>
             <a:fld id="{A05AD41B-1A41-418A-9EA5-B602D5FD2BF3}" type="datetimeFigureOut">
               <a:rPr kumimoji="1" lang="ja-JP" altLang="en-US" smtClean="0"/>
-              <a:t>2021/12/6</a:t>
+              <a:t>2021/12/9</a:t>
             </a:fld>
             <a:endParaRPr kumimoji="1" lang="ja-JP" altLang="en-US"/>
           </a:p>
@@ -1234,7 +1234,7 @@
           <a:p>
             <a:fld id="{A05AD41B-1A41-418A-9EA5-B602D5FD2BF3}" type="datetimeFigureOut">
               <a:rPr kumimoji="1" lang="ja-JP" altLang="en-US" smtClean="0"/>
-              <a:t>2021/12/6</a:t>
+              <a:t>2021/12/9</a:t>
             </a:fld>
             <a:endParaRPr kumimoji="1" lang="ja-JP" altLang="en-US"/>
           </a:p>
@@ -1563,7 +1563,7 @@
           <a:p>
             <a:fld id="{A05AD41B-1A41-418A-9EA5-B602D5FD2BF3}" type="datetimeFigureOut">
               <a:rPr kumimoji="1" lang="ja-JP" altLang="en-US" smtClean="0"/>
-              <a:t>2021/12/6</a:t>
+              <a:t>2021/12/9</a:t>
             </a:fld>
             <a:endParaRPr kumimoji="1" lang="ja-JP" altLang="en-US"/>
           </a:p>
@@ -2039,7 +2039,7 @@
           <a:p>
             <a:fld id="{A05AD41B-1A41-418A-9EA5-B602D5FD2BF3}" type="datetimeFigureOut">
               <a:rPr kumimoji="1" lang="ja-JP" altLang="en-US" smtClean="0"/>
-              <a:t>2021/12/6</a:t>
+              <a:t>2021/12/9</a:t>
             </a:fld>
             <a:endParaRPr kumimoji="1" lang="ja-JP" altLang="en-US"/>
           </a:p>
@@ -2180,7 +2180,7 @@
           <a:p>
             <a:fld id="{A05AD41B-1A41-418A-9EA5-B602D5FD2BF3}" type="datetimeFigureOut">
               <a:rPr kumimoji="1" lang="ja-JP" altLang="en-US" smtClean="0"/>
-              <a:t>2021/12/6</a:t>
+              <a:t>2021/12/9</a:t>
             </a:fld>
             <a:endParaRPr kumimoji="1" lang="ja-JP" altLang="en-US"/>
           </a:p>
@@ -2293,7 +2293,7 @@
           <a:p>
             <a:fld id="{A05AD41B-1A41-418A-9EA5-B602D5FD2BF3}" type="datetimeFigureOut">
               <a:rPr kumimoji="1" lang="ja-JP" altLang="en-US" smtClean="0"/>
-              <a:t>2021/12/6</a:t>
+              <a:t>2021/12/9</a:t>
             </a:fld>
             <a:endParaRPr kumimoji="1" lang="ja-JP" altLang="en-US"/>
           </a:p>
@@ -2636,7 +2636,7 @@
           <a:p>
             <a:fld id="{A05AD41B-1A41-418A-9EA5-B602D5FD2BF3}" type="datetimeFigureOut">
               <a:rPr kumimoji="1" lang="ja-JP" altLang="en-US" smtClean="0"/>
-              <a:t>2021/12/6</a:t>
+              <a:t>2021/12/9</a:t>
             </a:fld>
             <a:endParaRPr kumimoji="1" lang="ja-JP" altLang="en-US"/>
           </a:p>
@@ -2924,7 +2924,7 @@
           <a:p>
             <a:fld id="{A05AD41B-1A41-418A-9EA5-B602D5FD2BF3}" type="datetimeFigureOut">
               <a:rPr kumimoji="1" lang="ja-JP" altLang="en-US" smtClean="0"/>
-              <a:t>2021/12/6</a:t>
+              <a:t>2021/12/9</a:t>
             </a:fld>
             <a:endParaRPr kumimoji="1" lang="ja-JP" altLang="en-US"/>
           </a:p>
@@ -3197,7 +3197,7 @@
           <a:p>
             <a:fld id="{A05AD41B-1A41-418A-9EA5-B602D5FD2BF3}" type="datetimeFigureOut">
               <a:rPr kumimoji="1" lang="ja-JP" altLang="en-US" smtClean="0"/>
-              <a:t>2021/12/6</a:t>
+              <a:t>2021/12/9</a:t>
             </a:fld>
             <a:endParaRPr kumimoji="1" lang="ja-JP" altLang="en-US"/>
           </a:p>
@@ -3616,10 +3616,10 @@
       </p:grpSpPr>
       <p:grpSp>
         <p:nvGrpSpPr>
-          <p:cNvPr id="153" name="グループ化 152">
-            <a:extLst>
-              <a:ext uri="{FF2B5EF4-FFF2-40B4-BE49-F238E27FC236}">
-                <a16:creationId xmlns:a16="http://schemas.microsoft.com/office/drawing/2014/main" id="{7E1AB998-4A6B-434A-8B6B-44376E01C493}"/>
+          <p:cNvPr id="6" name="グループ化 5">
+            <a:extLst>
+              <a:ext uri="{FF2B5EF4-FFF2-40B4-BE49-F238E27FC236}">
+                <a16:creationId xmlns:a16="http://schemas.microsoft.com/office/drawing/2014/main" id="{FCF96840-7374-4AA3-BD52-6C0DB9B607A9}"/>
               </a:ext>
             </a:extLst>
           </p:cNvPr>
@@ -3628,10 +3628,10 @@
         </p:nvGrpSpPr>
         <p:grpSpPr>
           <a:xfrm>
-            <a:off x="1659464" y="1194275"/>
-            <a:ext cx="9774776" cy="4787800"/>
-            <a:chOff x="1396998" y="1135009"/>
-            <a:chExt cx="9774776" cy="4787800"/>
+            <a:off x="1447800" y="1194275"/>
+            <a:ext cx="9986440" cy="4900523"/>
+            <a:chOff x="1447800" y="1194275"/>
+            <a:chExt cx="9986440" cy="4900523"/>
           </a:xfrm>
         </p:grpSpPr>
         <p:pic>
@@ -3661,7 +3661,7 @@
           </p:blipFill>
           <p:spPr>
             <a:xfrm flipH="1">
-              <a:off x="1396998" y="1135009"/>
+              <a:off x="1659464" y="1194275"/>
               <a:ext cx="2116667" cy="1700116"/>
             </a:xfrm>
             <a:prstGeom prst="rect">
@@ -3683,7 +3683,7 @@
           </p:nvSpPr>
           <p:spPr>
             <a:xfrm>
-              <a:off x="2565400" y="2319867"/>
+              <a:off x="2827866" y="2379133"/>
               <a:ext cx="1286933" cy="1023260"/>
             </a:xfrm>
             <a:prstGeom prst="roundRect">
@@ -3737,7 +3737,7 @@
           </p:nvSpPr>
           <p:spPr>
             <a:xfrm>
-              <a:off x="2074332" y="2787241"/>
+              <a:off x="2336798" y="2846507"/>
               <a:ext cx="812799" cy="369332"/>
             </a:xfrm>
             <a:prstGeom prst="rect">
@@ -3797,7 +3797,7 @@
           </p:blipFill>
           <p:spPr>
             <a:xfrm>
-              <a:off x="2328336" y="4344412"/>
+              <a:off x="2590802" y="4403678"/>
               <a:ext cx="1753775" cy="1578397"/>
             </a:xfrm>
             <a:prstGeom prst="rect">
@@ -3832,7 +3832,7 @@
           </p:blipFill>
           <p:spPr>
             <a:xfrm flipH="1">
-              <a:off x="3200402" y="3597133"/>
+              <a:off x="3462868" y="3656399"/>
               <a:ext cx="508001" cy="620272"/>
             </a:xfrm>
             <a:prstGeom prst="rect">
@@ -3854,7 +3854,7 @@
           </p:nvSpPr>
           <p:spPr>
             <a:xfrm>
-              <a:off x="2748698" y="2881907"/>
+              <a:off x="3011164" y="2941173"/>
               <a:ext cx="180000" cy="180000"/>
             </a:xfrm>
             <a:prstGeom prst="ellipse">
@@ -3908,7 +3908,7 @@
           </p:nvSpPr>
           <p:spPr>
             <a:xfrm>
-              <a:off x="2480732" y="2385253"/>
+              <a:off x="2743198" y="2444519"/>
               <a:ext cx="1448978" cy="369332"/>
             </a:xfrm>
             <a:prstGeom prst="rect">
@@ -3951,7 +3951,7 @@
           </p:nvSpPr>
           <p:spPr>
             <a:xfrm>
-              <a:off x="3196759" y="3343127"/>
+              <a:off x="3459225" y="3402393"/>
               <a:ext cx="508001" cy="163079"/>
             </a:xfrm>
             <a:prstGeom prst="rect">
@@ -4005,7 +4005,7 @@
           </p:nvSpPr>
           <p:spPr>
             <a:xfrm>
-              <a:off x="3048002" y="3031787"/>
+              <a:off x="3310468" y="3091053"/>
               <a:ext cx="812799" cy="369332"/>
             </a:xfrm>
             <a:prstGeom prst="rect">
@@ -4050,7 +4050,7 @@
           </p:nvCxnSpPr>
           <p:spPr>
             <a:xfrm flipV="1">
-              <a:off x="2833282" y="3149596"/>
+              <a:off x="3095748" y="3208862"/>
               <a:ext cx="0" cy="1297473"/>
             </a:xfrm>
             <a:prstGeom prst="straightConnector1">
@@ -4093,7 +4093,7 @@
           </p:nvSpPr>
           <p:spPr>
             <a:xfrm>
-              <a:off x="6129875" y="1989665"/>
+              <a:off x="6392341" y="2048931"/>
               <a:ext cx="2404534" cy="541866"/>
             </a:xfrm>
             <a:prstGeom prst="rect">
@@ -4163,7 +4163,7 @@
           </p:nvSpPr>
           <p:spPr>
             <a:xfrm>
-              <a:off x="8627544" y="2067067"/>
+              <a:off x="8890010" y="2126333"/>
               <a:ext cx="2544230" cy="400110"/>
             </a:xfrm>
             <a:prstGeom prst="rect">
@@ -4205,7 +4205,7 @@
           </p:nvSpPr>
           <p:spPr>
             <a:xfrm>
-              <a:off x="6129875" y="3072194"/>
+              <a:off x="6392341" y="3131460"/>
               <a:ext cx="2404534" cy="541866"/>
             </a:xfrm>
             <a:prstGeom prst="rect">
@@ -4335,7 +4335,7 @@
           </p:nvSpPr>
           <p:spPr>
             <a:xfrm>
-              <a:off x="8627544" y="3149596"/>
+              <a:off x="8890010" y="3208862"/>
               <a:ext cx="2544230" cy="400110"/>
             </a:xfrm>
             <a:prstGeom prst="rect">
@@ -4379,7 +4379,7 @@
               </p:nvSpPr>
               <p:spPr>
                 <a:xfrm>
-                  <a:off x="6129875" y="4158148"/>
+                  <a:off x="6392341" y="4217414"/>
                   <a:ext cx="2404534" cy="778932"/>
                 </a:xfrm>
                 <a:prstGeom prst="diamond">
@@ -4464,7 +4464,7 @@
               </p:nvSpPr>
               <p:spPr>
                 <a:xfrm>
-                  <a:off x="6129875" y="4158148"/>
+                  <a:off x="6392341" y="4217414"/>
                   <a:ext cx="2404534" cy="778932"/>
                 </a:xfrm>
                 <a:prstGeom prst="diamond">
@@ -4511,7 +4511,7 @@
           </p:nvSpPr>
           <p:spPr>
             <a:xfrm>
-              <a:off x="1478025" y="4823890"/>
+              <a:off x="1740491" y="4883156"/>
               <a:ext cx="1778000" cy="541866"/>
             </a:xfrm>
             <a:prstGeom prst="rect">
@@ -4605,7 +4605,7 @@
           </p:nvCxnSpPr>
           <p:spPr>
             <a:xfrm>
-              <a:off x="7332142" y="2531531"/>
+              <a:off x="7594608" y="2590797"/>
               <a:ext cx="0" cy="540663"/>
             </a:xfrm>
             <a:prstGeom prst="straightConnector1">
@@ -4651,7 +4651,7 @@
           </p:nvCxnSpPr>
           <p:spPr>
             <a:xfrm>
-              <a:off x="7332142" y="3614060"/>
+              <a:off x="7594608" y="3673326"/>
               <a:ext cx="0" cy="544088"/>
             </a:xfrm>
             <a:prstGeom prst="straightConnector1">
@@ -4695,7 +4695,7 @@
               </p:nvSpPr>
               <p:spPr>
                 <a:xfrm>
-                  <a:off x="7355429" y="3716827"/>
+                  <a:off x="7617895" y="3776093"/>
                   <a:ext cx="1602303" cy="338554"/>
                 </a:xfrm>
                 <a:prstGeom prst="rect">
@@ -4759,7 +4759,7 @@
               </p:nvSpPr>
               <p:spPr>
                 <a:xfrm>
-                  <a:off x="7355429" y="3716827"/>
+                  <a:off x="7617895" y="3776093"/>
                   <a:ext cx="1602303" cy="338554"/>
                 </a:xfrm>
                 <a:prstGeom prst="rect">
@@ -4805,7 +4805,7 @@
           </p:nvCxnSpPr>
           <p:spPr>
             <a:xfrm rot="5400000">
-              <a:off x="5215213" y="2977893"/>
+              <a:off x="5477679" y="3037159"/>
               <a:ext cx="157743" cy="4076117"/>
             </a:xfrm>
             <a:prstGeom prst="bentConnector2">
@@ -4850,7 +4850,7 @@
           </p:nvCxnSpPr>
           <p:spPr>
             <a:xfrm rot="10800000">
-              <a:off x="3704761" y="3424668"/>
+              <a:off x="3967227" y="3483934"/>
               <a:ext cx="2425115" cy="1122947"/>
             </a:xfrm>
             <a:prstGeom prst="bentConnector3">
@@ -4892,7 +4892,7 @@
           </p:nvSpPr>
           <p:spPr>
             <a:xfrm>
-              <a:off x="4032552" y="3737484"/>
+              <a:off x="4295018" y="3796750"/>
               <a:ext cx="1778000" cy="541866"/>
             </a:xfrm>
             <a:prstGeom prst="rect">
@@ -4982,7 +4982,7 @@
           </p:nvSpPr>
           <p:spPr>
             <a:xfrm>
-              <a:off x="5600865" y="4551469"/>
+              <a:off x="5863331" y="4610735"/>
               <a:ext cx="620160" cy="338554"/>
             </a:xfrm>
             <a:prstGeom prst="rect">
@@ -5025,7 +5025,7 @@
           </p:nvSpPr>
           <p:spPr>
             <a:xfrm>
-              <a:off x="6803131" y="5093558"/>
+              <a:off x="7065597" y="5152824"/>
               <a:ext cx="620160" cy="338554"/>
             </a:xfrm>
             <a:prstGeom prst="rect">
@@ -5071,7 +5071,7 @@
           </p:nvCxnSpPr>
           <p:spPr>
             <a:xfrm flipV="1">
-              <a:off x="2928698" y="2260598"/>
+              <a:off x="3191164" y="2319864"/>
               <a:ext cx="3201177" cy="711309"/>
             </a:xfrm>
             <a:prstGeom prst="bentConnector3">
@@ -5101,6 +5101,104 @@
             </a:fontRef>
           </p:style>
         </p:cxnSp>
+        <p:sp>
+          <p:nvSpPr>
+            <p:cNvPr id="2" name="四角形: 角を丸くする 1">
+              <a:extLst>
+                <a:ext uri="{FF2B5EF4-FFF2-40B4-BE49-F238E27FC236}">
+                  <a16:creationId xmlns:a16="http://schemas.microsoft.com/office/drawing/2014/main" id="{1547D2DB-E0B1-4299-876A-48121F4682D9}"/>
+                </a:ext>
+              </a:extLst>
+            </p:cNvPr>
+            <p:cNvSpPr/>
+            <p:nvPr/>
+          </p:nvSpPr>
+          <p:spPr>
+            <a:xfrm>
+              <a:off x="1447800" y="1913467"/>
+              <a:ext cx="9719733" cy="3750258"/>
+            </a:xfrm>
+            <a:prstGeom prst="roundRect">
+              <a:avLst/>
+            </a:prstGeom>
+            <a:noFill/>
+            <a:ln w="38100">
+              <a:solidFill>
+                <a:schemeClr val="bg2">
+                  <a:lumMod val="50000"/>
+                </a:schemeClr>
+              </a:solidFill>
+              <a:prstDash val="dash"/>
+            </a:ln>
+          </p:spPr>
+          <p:style>
+            <a:lnRef idx="2">
+              <a:schemeClr val="accent1">
+                <a:shade val="50000"/>
+              </a:schemeClr>
+            </a:lnRef>
+            <a:fillRef idx="1">
+              <a:schemeClr val="accent1"/>
+            </a:fillRef>
+            <a:effectRef idx="0">
+              <a:schemeClr val="accent1"/>
+            </a:effectRef>
+            <a:fontRef idx="minor">
+              <a:schemeClr val="lt1"/>
+            </a:fontRef>
+          </p:style>
+          <p:txBody>
+            <a:bodyPr rtlCol="0" anchor="ctr"/>
+            <a:lstStyle/>
+            <a:p>
+              <a:pPr algn="ctr"/>
+              <a:endParaRPr kumimoji="1" lang="ja-JP" altLang="en-US"/>
+            </a:p>
+          </p:txBody>
+        </p:sp>
+        <p:sp>
+          <p:nvSpPr>
+            <p:cNvPr id="4" name="テキスト ボックス 3">
+              <a:extLst>
+                <a:ext uri="{FF2B5EF4-FFF2-40B4-BE49-F238E27FC236}">
+                  <a16:creationId xmlns:a16="http://schemas.microsoft.com/office/drawing/2014/main" id="{8E91903A-BF43-4C11-AC8E-343B7A73DD3C}"/>
+                </a:ext>
+              </a:extLst>
+            </p:cNvPr>
+            <p:cNvSpPr txBox="1"/>
+            <p:nvPr/>
+          </p:nvSpPr>
+          <p:spPr>
+            <a:xfrm>
+              <a:off x="7145860" y="5694688"/>
+              <a:ext cx="3856572" cy="400110"/>
+            </a:xfrm>
+            <a:prstGeom prst="rect">
+              <a:avLst/>
+            </a:prstGeom>
+            <a:noFill/>
+          </p:spPr>
+          <p:txBody>
+            <a:bodyPr wrap="square" rtlCol="0">
+              <a:spAutoFit/>
+            </a:bodyPr>
+            <a:lstStyle/>
+            <a:p>
+              <a:pPr algn="ctr"/>
+              <a:r>
+                <a:rPr kumimoji="1" lang="en-US" altLang="ja-JP" sz="2000" dirty="0">
+                  <a:latin typeface="Arial" panose="020B0604020202020204" pitchFamily="34" charset="0"/>
+                  <a:cs typeface="Arial" panose="020B0604020202020204" pitchFamily="34" charset="0"/>
+                </a:rPr>
+                <a:t>Processing on control unit</a:t>
+              </a:r>
+              <a:endParaRPr kumimoji="1" lang="ja-JP" altLang="en-US" sz="2000" dirty="0">
+                <a:latin typeface="Arial" panose="020B0604020202020204" pitchFamily="34" charset="0"/>
+                <a:cs typeface="Arial" panose="020B0604020202020204" pitchFamily="34" charset="0"/>
+              </a:endParaRPr>
+            </a:p>
+          </p:txBody>
+        </p:sp>
       </p:grpSp>
     </p:spTree>
     <p:extLst>

--- a/paper/water/figures/figures.pptx
+++ b/paper/water/figures/figures.pptx
@@ -6,6 +6,7 @@
   </p:sldMasterIdLst>
   <p:sldIdLst>
     <p:sldId id="256" r:id="rId2"/>
+    <p:sldId id="257" r:id="rId3"/>
   </p:sldIdLst>
   <p:sldSz cx="12192000" cy="6858000"/>
   <p:notesSz cx="6858000" cy="9144000"/>
@@ -259,7 +260,7 @@
           <a:p>
             <a:fld id="{A05AD41B-1A41-418A-9EA5-B602D5FD2BF3}" type="datetimeFigureOut">
               <a:rPr kumimoji="1" lang="ja-JP" altLang="en-US" smtClean="0"/>
-              <a:t>2021/12/9</a:t>
+              <a:t>2021/12/13</a:t>
             </a:fld>
             <a:endParaRPr kumimoji="1" lang="ja-JP" altLang="en-US"/>
           </a:p>
@@ -489,7 +490,7 @@
           <a:p>
             <a:fld id="{A05AD41B-1A41-418A-9EA5-B602D5FD2BF3}" type="datetimeFigureOut">
               <a:rPr kumimoji="1" lang="ja-JP" altLang="en-US" smtClean="0"/>
-              <a:t>2021/12/9</a:t>
+              <a:t>2021/12/13</a:t>
             </a:fld>
             <a:endParaRPr kumimoji="1" lang="ja-JP" altLang="en-US"/>
           </a:p>
@@ -729,7 +730,7 @@
           <a:p>
             <a:fld id="{A05AD41B-1A41-418A-9EA5-B602D5FD2BF3}" type="datetimeFigureOut">
               <a:rPr kumimoji="1" lang="ja-JP" altLang="en-US" smtClean="0"/>
-              <a:t>2021/12/9</a:t>
+              <a:t>2021/12/13</a:t>
             </a:fld>
             <a:endParaRPr kumimoji="1" lang="ja-JP" altLang="en-US"/>
           </a:p>
@@ -959,7 +960,7 @@
           <a:p>
             <a:fld id="{A05AD41B-1A41-418A-9EA5-B602D5FD2BF3}" type="datetimeFigureOut">
               <a:rPr kumimoji="1" lang="ja-JP" altLang="en-US" smtClean="0"/>
-              <a:t>2021/12/9</a:t>
+              <a:t>2021/12/13</a:t>
             </a:fld>
             <a:endParaRPr kumimoji="1" lang="ja-JP" altLang="en-US"/>
           </a:p>
@@ -1234,7 +1235,7 @@
           <a:p>
             <a:fld id="{A05AD41B-1A41-418A-9EA5-B602D5FD2BF3}" type="datetimeFigureOut">
               <a:rPr kumimoji="1" lang="ja-JP" altLang="en-US" smtClean="0"/>
-              <a:t>2021/12/9</a:t>
+              <a:t>2021/12/13</a:t>
             </a:fld>
             <a:endParaRPr kumimoji="1" lang="ja-JP" altLang="en-US"/>
           </a:p>
@@ -1563,7 +1564,7 @@
           <a:p>
             <a:fld id="{A05AD41B-1A41-418A-9EA5-B602D5FD2BF3}" type="datetimeFigureOut">
               <a:rPr kumimoji="1" lang="ja-JP" altLang="en-US" smtClean="0"/>
-              <a:t>2021/12/9</a:t>
+              <a:t>2021/12/13</a:t>
             </a:fld>
             <a:endParaRPr kumimoji="1" lang="ja-JP" altLang="en-US"/>
           </a:p>
@@ -2039,7 +2040,7 @@
           <a:p>
             <a:fld id="{A05AD41B-1A41-418A-9EA5-B602D5FD2BF3}" type="datetimeFigureOut">
               <a:rPr kumimoji="1" lang="ja-JP" altLang="en-US" smtClean="0"/>
-              <a:t>2021/12/9</a:t>
+              <a:t>2021/12/13</a:t>
             </a:fld>
             <a:endParaRPr kumimoji="1" lang="ja-JP" altLang="en-US"/>
           </a:p>
@@ -2180,7 +2181,7 @@
           <a:p>
             <a:fld id="{A05AD41B-1A41-418A-9EA5-B602D5FD2BF3}" type="datetimeFigureOut">
               <a:rPr kumimoji="1" lang="ja-JP" altLang="en-US" smtClean="0"/>
-              <a:t>2021/12/9</a:t>
+              <a:t>2021/12/13</a:t>
             </a:fld>
             <a:endParaRPr kumimoji="1" lang="ja-JP" altLang="en-US"/>
           </a:p>
@@ -2293,7 +2294,7 @@
           <a:p>
             <a:fld id="{A05AD41B-1A41-418A-9EA5-B602D5FD2BF3}" type="datetimeFigureOut">
               <a:rPr kumimoji="1" lang="ja-JP" altLang="en-US" smtClean="0"/>
-              <a:t>2021/12/9</a:t>
+              <a:t>2021/12/13</a:t>
             </a:fld>
             <a:endParaRPr kumimoji="1" lang="ja-JP" altLang="en-US"/>
           </a:p>
@@ -2636,7 +2637,7 @@
           <a:p>
             <a:fld id="{A05AD41B-1A41-418A-9EA5-B602D5FD2BF3}" type="datetimeFigureOut">
               <a:rPr kumimoji="1" lang="ja-JP" altLang="en-US" smtClean="0"/>
-              <a:t>2021/12/9</a:t>
+              <a:t>2021/12/13</a:t>
             </a:fld>
             <a:endParaRPr kumimoji="1" lang="ja-JP" altLang="en-US"/>
           </a:p>
@@ -2924,7 +2925,7 @@
           <a:p>
             <a:fld id="{A05AD41B-1A41-418A-9EA5-B602D5FD2BF3}" type="datetimeFigureOut">
               <a:rPr kumimoji="1" lang="ja-JP" altLang="en-US" smtClean="0"/>
-              <a:t>2021/12/9</a:t>
+              <a:t>2021/12/13</a:t>
             </a:fld>
             <a:endParaRPr kumimoji="1" lang="ja-JP" altLang="en-US"/>
           </a:p>
@@ -3197,7 +3198,7 @@
           <a:p>
             <a:fld id="{A05AD41B-1A41-418A-9EA5-B602D5FD2BF3}" type="datetimeFigureOut">
               <a:rPr kumimoji="1" lang="ja-JP" altLang="en-US" smtClean="0"/>
-              <a:t>2021/12/9</a:t>
+              <a:t>2021/12/13</a:t>
             </a:fld>
             <a:endParaRPr kumimoji="1" lang="ja-JP" altLang="en-US"/>
           </a:p>
@@ -4363,8 +4364,8 @@
             </a:p>
           </p:txBody>
         </p:sp>
-        <mc:AlternateContent xmlns:mc="http://schemas.openxmlformats.org/markup-compatibility/2006">
-          <mc:Choice xmlns:a14="http://schemas.microsoft.com/office/drawing/2010/main" Requires="a14">
+        <mc:AlternateContent xmlns:mc="http://schemas.openxmlformats.org/markup-compatibility/2006" xmlns:a14="http://schemas.microsoft.com/office/drawing/2010/main">
+          <mc:Choice Requires="a14">
             <p:sp>
               <p:nvSpPr>
                 <p:cNvPr id="33" name="ひし形 32">
@@ -4447,7 +4448,7 @@
               </p:txBody>
             </p:sp>
           </mc:Choice>
-          <mc:Fallback>
+          <mc:Fallback xmlns="">
             <p:sp>
               <p:nvSpPr>
                 <p:cNvPr id="33" name="ひし形 32">
@@ -4679,8 +4680,8 @@
             </a:fontRef>
           </p:style>
         </p:cxnSp>
-        <mc:AlternateContent xmlns:mc="http://schemas.openxmlformats.org/markup-compatibility/2006">
-          <mc:Choice xmlns:a14="http://schemas.microsoft.com/office/drawing/2010/main" Requires="a14">
+        <mc:AlternateContent xmlns:mc="http://schemas.openxmlformats.org/markup-compatibility/2006" xmlns:a14="http://schemas.microsoft.com/office/drawing/2010/main">
+          <mc:Choice Requires="a14">
             <p:sp>
               <p:nvSpPr>
                 <p:cNvPr id="84" name="テキスト ボックス 83">
@@ -4742,7 +4743,7 @@
               </p:txBody>
             </p:sp>
           </mc:Choice>
-          <mc:Fallback>
+          <mc:Fallback xmlns="">
             <p:sp>
               <p:nvSpPr>
                 <p:cNvPr id="84" name="テキスト ボックス 83">
@@ -5213,6 +5214,1259 @@
 </p:sld>
 </file>
 
+<file path=ppt/slides/slide2.xml><?xml version="1.0" encoding="utf-8"?>
+<p:sld xmlns:a="http://schemas.openxmlformats.org/drawingml/2006/main" xmlns:r="http://schemas.openxmlformats.org/officeDocument/2006/relationships" xmlns:p="http://schemas.openxmlformats.org/presentationml/2006/main">
+  <p:cSld>
+    <p:spTree>
+      <p:nvGrpSpPr>
+        <p:cNvPr id="1" name=""/>
+        <p:cNvGrpSpPr/>
+        <p:nvPr/>
+      </p:nvGrpSpPr>
+      <p:grpSpPr>
+        <a:xfrm>
+          <a:off x="0" y="0"/>
+          <a:ext cx="0" cy="0"/>
+          <a:chOff x="0" y="0"/>
+          <a:chExt cx="0" cy="0"/>
+        </a:xfrm>
+      </p:grpSpPr>
+      <p:grpSp>
+        <p:nvGrpSpPr>
+          <p:cNvPr id="56" name="グループ化 55">
+            <a:extLst>
+              <a:ext uri="{FF2B5EF4-FFF2-40B4-BE49-F238E27FC236}">
+                <a16:creationId xmlns:a16="http://schemas.microsoft.com/office/drawing/2014/main" id="{65FBF25F-8B60-473A-BEF8-2BCA847BB8C5}"/>
+              </a:ext>
+            </a:extLst>
+          </p:cNvPr>
+          <p:cNvGrpSpPr/>
+          <p:nvPr/>
+        </p:nvGrpSpPr>
+        <p:grpSpPr>
+          <a:xfrm>
+            <a:off x="2647755" y="1203512"/>
+            <a:ext cx="7560734" cy="4787800"/>
+            <a:chOff x="1659464" y="1194275"/>
+            <a:chExt cx="7560734" cy="4787800"/>
+          </a:xfrm>
+        </p:grpSpPr>
+        <p:pic>
+          <p:nvPicPr>
+            <p:cNvPr id="3" name="図 2" descr="図形&#10;&#10;中程度の精度で自動的に生成された説明">
+              <a:extLst>
+                <a:ext uri="{FF2B5EF4-FFF2-40B4-BE49-F238E27FC236}">
+                  <a16:creationId xmlns:a16="http://schemas.microsoft.com/office/drawing/2014/main" id="{B80FF195-DF74-46E9-A436-03AC0277B1AB}"/>
+                </a:ext>
+              </a:extLst>
+            </p:cNvPr>
+            <p:cNvPicPr>
+              <a:picLocks noChangeAspect="1"/>
+            </p:cNvPicPr>
+            <p:nvPr/>
+          </p:nvPicPr>
+          <p:blipFill rotWithShape="1">
+            <a:blip r:embed="rId2">
+              <a:extLst>
+                <a:ext uri="{28A0092B-C50C-407E-A947-70E740481C1C}">
+                  <a14:useLocalDpi xmlns:a14="http://schemas.microsoft.com/office/drawing/2010/main" val="0"/>
+                </a:ext>
+              </a:extLst>
+            </a:blip>
+            <a:srcRect b="26731"/>
+            <a:stretch/>
+          </p:blipFill>
+          <p:spPr>
+            <a:xfrm flipH="1">
+              <a:off x="1659464" y="1194275"/>
+              <a:ext cx="2116667" cy="1700116"/>
+            </a:xfrm>
+            <a:prstGeom prst="rect">
+              <a:avLst/>
+            </a:prstGeom>
+          </p:spPr>
+        </p:pic>
+        <p:sp>
+          <p:nvSpPr>
+            <p:cNvPr id="8" name="四角形: 角を丸くする 7">
+              <a:extLst>
+                <a:ext uri="{FF2B5EF4-FFF2-40B4-BE49-F238E27FC236}">
+                  <a16:creationId xmlns:a16="http://schemas.microsoft.com/office/drawing/2014/main" id="{DF3B2EE8-3E2D-4769-9E90-EA9F96ABC2E8}"/>
+                </a:ext>
+              </a:extLst>
+            </p:cNvPr>
+            <p:cNvSpPr/>
+            <p:nvPr/>
+          </p:nvSpPr>
+          <p:spPr>
+            <a:xfrm>
+              <a:off x="2827866" y="2379133"/>
+              <a:ext cx="1286933" cy="1023260"/>
+            </a:xfrm>
+            <a:prstGeom prst="roundRect">
+              <a:avLst/>
+            </a:prstGeom>
+            <a:solidFill>
+              <a:schemeClr val="bg1">
+                <a:lumMod val="85000"/>
+              </a:schemeClr>
+            </a:solidFill>
+            <a:ln>
+              <a:noFill/>
+            </a:ln>
+          </p:spPr>
+          <p:style>
+            <a:lnRef idx="2">
+              <a:schemeClr val="accent1">
+                <a:shade val="50000"/>
+              </a:schemeClr>
+            </a:lnRef>
+            <a:fillRef idx="1">
+              <a:schemeClr val="accent1"/>
+            </a:fillRef>
+            <a:effectRef idx="0">
+              <a:schemeClr val="accent1"/>
+            </a:effectRef>
+            <a:fontRef idx="minor">
+              <a:schemeClr val="lt1"/>
+            </a:fontRef>
+          </p:style>
+          <p:txBody>
+            <a:bodyPr rtlCol="0" anchor="ctr"/>
+            <a:lstStyle/>
+            <a:p>
+              <a:pPr algn="ctr"/>
+              <a:endParaRPr kumimoji="1" lang="ja-JP" altLang="en-US"/>
+            </a:p>
+          </p:txBody>
+        </p:sp>
+        <p:sp>
+          <p:nvSpPr>
+            <p:cNvPr id="17" name="テキスト ボックス 16">
+              <a:extLst>
+                <a:ext uri="{FF2B5EF4-FFF2-40B4-BE49-F238E27FC236}">
+                  <a16:creationId xmlns:a16="http://schemas.microsoft.com/office/drawing/2014/main" id="{BF80960B-9B61-448A-9DDE-12B3296B1B79}"/>
+                </a:ext>
+              </a:extLst>
+            </p:cNvPr>
+            <p:cNvSpPr txBox="1"/>
+            <p:nvPr/>
+          </p:nvSpPr>
+          <p:spPr>
+            <a:xfrm>
+              <a:off x="2336798" y="2846507"/>
+              <a:ext cx="812799" cy="369332"/>
+            </a:xfrm>
+            <a:prstGeom prst="rect">
+              <a:avLst/>
+            </a:prstGeom>
+            <a:noFill/>
+          </p:spPr>
+          <p:txBody>
+            <a:bodyPr wrap="square" rtlCol="0">
+              <a:spAutoFit/>
+            </a:bodyPr>
+            <a:lstStyle/>
+            <a:p>
+              <a:pPr algn="ctr"/>
+              <a:r>
+                <a:rPr kumimoji="1" lang="en-US" altLang="ja-JP" dirty="0">
+                  <a:latin typeface="Arial" panose="020B0604020202020204" pitchFamily="34" charset="0"/>
+                  <a:cs typeface="Arial" panose="020B0604020202020204" pitchFamily="34" charset="0"/>
+                </a:rPr>
+                <a:t>Mic</a:t>
+              </a:r>
+              <a:endParaRPr kumimoji="1" lang="ja-JP" altLang="en-US" dirty="0">
+                <a:latin typeface="Arial" panose="020B0604020202020204" pitchFamily="34" charset="0"/>
+                <a:cs typeface="Arial" panose="020B0604020202020204" pitchFamily="34" charset="0"/>
+              </a:endParaRPr>
+            </a:p>
+          </p:txBody>
+        </p:sp>
+        <p:pic>
+          <p:nvPicPr>
+            <p:cNvPr id="5" name="グラフィックス 4">
+              <a:extLst>
+                <a:ext uri="{FF2B5EF4-FFF2-40B4-BE49-F238E27FC236}">
+                  <a16:creationId xmlns:a16="http://schemas.microsoft.com/office/drawing/2014/main" id="{EEB54F21-8996-4CAD-B342-BF72A2970682}"/>
+                </a:ext>
+              </a:extLst>
+            </p:cNvPr>
+            <p:cNvPicPr>
+              <a:picLocks noChangeAspect="1"/>
+            </p:cNvPicPr>
+            <p:nvPr/>
+          </p:nvPicPr>
+          <p:blipFill>
+            <a:blip r:embed="rId3">
+              <a:extLst>
+                <a:ext uri="{28A0092B-C50C-407E-A947-70E740481C1C}">
+                  <a14:useLocalDpi xmlns:a14="http://schemas.microsoft.com/office/drawing/2010/main" val="0"/>
+                </a:ext>
+                <a:ext uri="{96DAC541-7B7A-43D3-8B79-37D633B846F1}">
+                  <asvg:svgBlip xmlns:asvg="http://schemas.microsoft.com/office/drawing/2016/SVG/main" r:embed="rId4"/>
+                </a:ext>
+              </a:extLst>
+            </a:blip>
+            <a:stretch>
+              <a:fillRect/>
+            </a:stretch>
+          </p:blipFill>
+          <p:spPr>
+            <a:xfrm>
+              <a:off x="2590802" y="4403678"/>
+              <a:ext cx="1753775" cy="1578397"/>
+            </a:xfrm>
+            <a:prstGeom prst="rect">
+              <a:avLst/>
+            </a:prstGeom>
+          </p:spPr>
+        </p:pic>
+        <p:pic>
+          <p:nvPicPr>
+            <p:cNvPr id="7" name="図 6" descr="図形&#10;&#10;中程度の精度で自動的に生成された説明">
+              <a:extLst>
+                <a:ext uri="{FF2B5EF4-FFF2-40B4-BE49-F238E27FC236}">
+                  <a16:creationId xmlns:a16="http://schemas.microsoft.com/office/drawing/2014/main" id="{8FE9B8AD-1EC2-4643-904D-FE592BD25030}"/>
+                </a:ext>
+              </a:extLst>
+            </p:cNvPr>
+            <p:cNvPicPr>
+              <a:picLocks noChangeAspect="1"/>
+            </p:cNvPicPr>
+            <p:nvPr/>
+          </p:nvPicPr>
+          <p:blipFill rotWithShape="1">
+            <a:blip r:embed="rId2">
+              <a:extLst>
+                <a:ext uri="{28A0092B-C50C-407E-A947-70E740481C1C}">
+                  <a14:useLocalDpi xmlns:a14="http://schemas.microsoft.com/office/drawing/2010/main" val="0"/>
+                </a:ext>
+              </a:extLst>
+            </a:blip>
+            <a:srcRect l="3200" t="73269" r="72800"/>
+            <a:stretch/>
+          </p:blipFill>
+          <p:spPr>
+            <a:xfrm flipH="1">
+              <a:off x="3462868" y="3656399"/>
+              <a:ext cx="508001" cy="620272"/>
+            </a:xfrm>
+            <a:prstGeom prst="rect">
+              <a:avLst/>
+            </a:prstGeom>
+          </p:spPr>
+        </p:pic>
+        <p:sp>
+          <p:nvSpPr>
+            <p:cNvPr id="9" name="楕円 8">
+              <a:extLst>
+                <a:ext uri="{FF2B5EF4-FFF2-40B4-BE49-F238E27FC236}">
+                  <a16:creationId xmlns:a16="http://schemas.microsoft.com/office/drawing/2014/main" id="{D6411D0F-133A-4FE3-98BC-1BBF5DEC0989}"/>
+                </a:ext>
+              </a:extLst>
+            </p:cNvPr>
+            <p:cNvSpPr/>
+            <p:nvPr/>
+          </p:nvSpPr>
+          <p:spPr>
+            <a:xfrm>
+              <a:off x="3011164" y="2941173"/>
+              <a:ext cx="180000" cy="180000"/>
+            </a:xfrm>
+            <a:prstGeom prst="ellipse">
+              <a:avLst/>
+            </a:prstGeom>
+            <a:solidFill>
+              <a:schemeClr val="accent4"/>
+            </a:solidFill>
+            <a:ln>
+              <a:solidFill>
+                <a:schemeClr val="accent4"/>
+              </a:solidFill>
+            </a:ln>
+          </p:spPr>
+          <p:style>
+            <a:lnRef idx="2">
+              <a:schemeClr val="accent1">
+                <a:shade val="50000"/>
+              </a:schemeClr>
+            </a:lnRef>
+            <a:fillRef idx="1">
+              <a:schemeClr val="accent1"/>
+            </a:fillRef>
+            <a:effectRef idx="0">
+              <a:schemeClr val="accent1"/>
+            </a:effectRef>
+            <a:fontRef idx="minor">
+              <a:schemeClr val="lt1"/>
+            </a:fontRef>
+          </p:style>
+          <p:txBody>
+            <a:bodyPr rtlCol="0" anchor="ctr"/>
+            <a:lstStyle/>
+            <a:p>
+              <a:pPr algn="ctr"/>
+              <a:endParaRPr kumimoji="1" lang="ja-JP" altLang="en-US"/>
+            </a:p>
+          </p:txBody>
+        </p:sp>
+        <p:sp>
+          <p:nvSpPr>
+            <p:cNvPr id="15" name="テキスト ボックス 14">
+              <a:extLst>
+                <a:ext uri="{FF2B5EF4-FFF2-40B4-BE49-F238E27FC236}">
+                  <a16:creationId xmlns:a16="http://schemas.microsoft.com/office/drawing/2014/main" id="{59BCD46A-A8CC-4239-8551-961FD28F8A97}"/>
+                </a:ext>
+              </a:extLst>
+            </p:cNvPr>
+            <p:cNvSpPr txBox="1"/>
+            <p:nvPr/>
+          </p:nvSpPr>
+          <p:spPr>
+            <a:xfrm>
+              <a:off x="2743198" y="2444519"/>
+              <a:ext cx="1448978" cy="369332"/>
+            </a:xfrm>
+            <a:prstGeom prst="rect">
+              <a:avLst/>
+            </a:prstGeom>
+            <a:noFill/>
+          </p:spPr>
+          <p:txBody>
+            <a:bodyPr wrap="square" rtlCol="0">
+              <a:spAutoFit/>
+            </a:bodyPr>
+            <a:lstStyle/>
+            <a:p>
+              <a:pPr algn="ctr"/>
+              <a:r>
+                <a:rPr kumimoji="1" lang="en-US" altLang="ja-JP" dirty="0">
+                  <a:latin typeface="Arial" panose="020B0604020202020204" pitchFamily="34" charset="0"/>
+                  <a:cs typeface="Arial" panose="020B0604020202020204" pitchFamily="34" charset="0"/>
+                </a:rPr>
+                <a:t>Control unit</a:t>
+              </a:r>
+              <a:endParaRPr kumimoji="1" lang="ja-JP" altLang="en-US" dirty="0">
+                <a:latin typeface="Arial" panose="020B0604020202020204" pitchFamily="34" charset="0"/>
+                <a:cs typeface="Arial" panose="020B0604020202020204" pitchFamily="34" charset="0"/>
+              </a:endParaRPr>
+            </a:p>
+          </p:txBody>
+        </p:sp>
+        <p:sp>
+          <p:nvSpPr>
+            <p:cNvPr id="19" name="正方形/長方形 18">
+              <a:extLst>
+                <a:ext uri="{FF2B5EF4-FFF2-40B4-BE49-F238E27FC236}">
+                  <a16:creationId xmlns:a16="http://schemas.microsoft.com/office/drawing/2014/main" id="{95F95634-36D1-4607-B8FA-D55FA75DDD2E}"/>
+                </a:ext>
+              </a:extLst>
+            </p:cNvPr>
+            <p:cNvSpPr/>
+            <p:nvPr/>
+          </p:nvSpPr>
+          <p:spPr>
+            <a:xfrm>
+              <a:off x="3459225" y="3402393"/>
+              <a:ext cx="508001" cy="163079"/>
+            </a:xfrm>
+            <a:prstGeom prst="rect">
+              <a:avLst/>
+            </a:prstGeom>
+            <a:solidFill>
+              <a:schemeClr val="accent4"/>
+            </a:solidFill>
+            <a:ln>
+              <a:solidFill>
+                <a:schemeClr val="accent4"/>
+              </a:solidFill>
+            </a:ln>
+          </p:spPr>
+          <p:style>
+            <a:lnRef idx="2">
+              <a:schemeClr val="accent1">
+                <a:shade val="50000"/>
+              </a:schemeClr>
+            </a:lnRef>
+            <a:fillRef idx="1">
+              <a:schemeClr val="accent1"/>
+            </a:fillRef>
+            <a:effectRef idx="0">
+              <a:schemeClr val="accent1"/>
+            </a:effectRef>
+            <a:fontRef idx="minor">
+              <a:schemeClr val="lt1"/>
+            </a:fontRef>
+          </p:style>
+          <p:txBody>
+            <a:bodyPr rtlCol="0" anchor="ctr"/>
+            <a:lstStyle/>
+            <a:p>
+              <a:pPr algn="ctr"/>
+              <a:endParaRPr kumimoji="1" lang="ja-JP" altLang="en-US"/>
+            </a:p>
+          </p:txBody>
+        </p:sp>
+        <p:sp>
+          <p:nvSpPr>
+            <p:cNvPr id="21" name="テキスト ボックス 20">
+              <a:extLst>
+                <a:ext uri="{FF2B5EF4-FFF2-40B4-BE49-F238E27FC236}">
+                  <a16:creationId xmlns:a16="http://schemas.microsoft.com/office/drawing/2014/main" id="{3F2811E4-B48D-49EA-876D-B8ACF7F981CB}"/>
+                </a:ext>
+              </a:extLst>
+            </p:cNvPr>
+            <p:cNvSpPr txBox="1"/>
+            <p:nvPr/>
+          </p:nvSpPr>
+          <p:spPr>
+            <a:xfrm>
+              <a:off x="3310468" y="3091053"/>
+              <a:ext cx="812799" cy="369332"/>
+            </a:xfrm>
+            <a:prstGeom prst="rect">
+              <a:avLst/>
+            </a:prstGeom>
+            <a:noFill/>
+          </p:spPr>
+          <p:txBody>
+            <a:bodyPr wrap="square" rtlCol="0">
+              <a:spAutoFit/>
+            </a:bodyPr>
+            <a:lstStyle/>
+            <a:p>
+              <a:pPr algn="ctr"/>
+              <a:r>
+                <a:rPr kumimoji="1" lang="en-US" altLang="ja-JP" dirty="0">
+                  <a:latin typeface="Arial" panose="020B0604020202020204" pitchFamily="34" charset="0"/>
+                  <a:cs typeface="Arial" panose="020B0604020202020204" pitchFamily="34" charset="0"/>
+                </a:rPr>
+                <a:t>Valve</a:t>
+              </a:r>
+              <a:endParaRPr kumimoji="1" lang="ja-JP" altLang="en-US" dirty="0">
+                <a:latin typeface="Arial" panose="020B0604020202020204" pitchFamily="34" charset="0"/>
+                <a:cs typeface="Arial" panose="020B0604020202020204" pitchFamily="34" charset="0"/>
+              </a:endParaRPr>
+            </a:p>
+          </p:txBody>
+        </p:sp>
+        <p:cxnSp>
+          <p:nvCxnSpPr>
+            <p:cNvPr id="24" name="直線矢印コネクタ 23">
+              <a:extLst>
+                <a:ext uri="{FF2B5EF4-FFF2-40B4-BE49-F238E27FC236}">
+                  <a16:creationId xmlns:a16="http://schemas.microsoft.com/office/drawing/2014/main" id="{52E48BD5-4D3C-498B-82B6-213169191238}"/>
+                </a:ext>
+              </a:extLst>
+            </p:cNvPr>
+            <p:cNvCxnSpPr>
+              <a:cxnSpLocks/>
+            </p:cNvCxnSpPr>
+            <p:nvPr/>
+          </p:nvCxnSpPr>
+          <p:spPr>
+            <a:xfrm flipV="1">
+              <a:off x="3095748" y="3208862"/>
+              <a:ext cx="0" cy="1297473"/>
+            </a:xfrm>
+            <a:prstGeom prst="straightConnector1">
+              <a:avLst/>
+            </a:prstGeom>
+            <a:ln w="38100">
+              <a:solidFill>
+                <a:schemeClr val="tx1"/>
+              </a:solidFill>
+              <a:prstDash val="dash"/>
+              <a:tailEnd type="triangle"/>
+            </a:ln>
+          </p:spPr>
+          <p:style>
+            <a:lnRef idx="1">
+              <a:schemeClr val="accent1"/>
+            </a:lnRef>
+            <a:fillRef idx="0">
+              <a:schemeClr val="accent1"/>
+            </a:fillRef>
+            <a:effectRef idx="0">
+              <a:schemeClr val="accent1"/>
+            </a:effectRef>
+            <a:fontRef idx="minor">
+              <a:schemeClr val="tx1"/>
+            </a:fontRef>
+          </p:style>
+        </p:cxnSp>
+        <p:sp>
+          <p:nvSpPr>
+            <p:cNvPr id="27" name="正方形/長方形 26">
+              <a:extLst>
+                <a:ext uri="{FF2B5EF4-FFF2-40B4-BE49-F238E27FC236}">
+                  <a16:creationId xmlns:a16="http://schemas.microsoft.com/office/drawing/2014/main" id="{9F76F4D6-B4B6-40F8-A619-152B7C12ABA0}"/>
+                </a:ext>
+              </a:extLst>
+            </p:cNvPr>
+            <p:cNvSpPr/>
+            <p:nvPr/>
+          </p:nvSpPr>
+          <p:spPr>
+            <a:xfrm>
+              <a:off x="6392341" y="2394000"/>
+              <a:ext cx="2404534" cy="1278000"/>
+            </a:xfrm>
+            <a:prstGeom prst="rect">
+              <a:avLst/>
+            </a:prstGeom>
+            <a:solidFill>
+              <a:schemeClr val="tx1">
+                <a:lumMod val="65000"/>
+                <a:lumOff val="35000"/>
+              </a:schemeClr>
+            </a:solidFill>
+            <a:ln w="38100">
+              <a:solidFill>
+                <a:schemeClr val="tx1"/>
+              </a:solidFill>
+            </a:ln>
+          </p:spPr>
+          <p:style>
+            <a:lnRef idx="2">
+              <a:schemeClr val="accent1">
+                <a:shade val="50000"/>
+              </a:schemeClr>
+            </a:lnRef>
+            <a:fillRef idx="1">
+              <a:schemeClr val="accent1"/>
+            </a:fillRef>
+            <a:effectRef idx="0">
+              <a:schemeClr val="accent1"/>
+            </a:effectRef>
+            <a:fontRef idx="minor">
+              <a:schemeClr val="lt1"/>
+            </a:fontRef>
+          </p:style>
+          <p:txBody>
+            <a:bodyPr rtlCol="0" anchor="ctr"/>
+            <a:lstStyle/>
+            <a:p>
+              <a:pPr algn="ctr"/>
+              <a:r>
+                <a:rPr kumimoji="1" lang="en-US" altLang="ja-JP" dirty="0">
+                  <a:solidFill>
+                    <a:schemeClr val="bg1"/>
+                  </a:solidFill>
+                  <a:latin typeface="Arial" panose="020B0604020202020204" pitchFamily="34" charset="0"/>
+                  <a:cs typeface="Arial" panose="020B0604020202020204" pitchFamily="34" charset="0"/>
+                </a:rPr>
+                <a:t>Classification</a:t>
+              </a:r>
+            </a:p>
+          </p:txBody>
+        </p:sp>
+        <mc:AlternateContent xmlns:mc="http://schemas.openxmlformats.org/markup-compatibility/2006">
+          <mc:Choice xmlns:a14="http://schemas.microsoft.com/office/drawing/2010/main" Requires="a14">
+            <p:sp>
+              <p:nvSpPr>
+                <p:cNvPr id="33" name="ひし形 32">
+                  <a:extLst>
+                    <a:ext uri="{FF2B5EF4-FFF2-40B4-BE49-F238E27FC236}">
+                      <a16:creationId xmlns:a16="http://schemas.microsoft.com/office/drawing/2014/main" id="{26F710B6-8A59-411F-A6F3-A5BAE87483BA}"/>
+                    </a:ext>
+                  </a:extLst>
+                </p:cNvPr>
+                <p:cNvSpPr/>
+                <p:nvPr/>
+              </p:nvSpPr>
+              <p:spPr>
+                <a:xfrm>
+                  <a:off x="6392341" y="4217414"/>
+                  <a:ext cx="2404534" cy="778932"/>
+                </a:xfrm>
+                <a:prstGeom prst="diamond">
+                  <a:avLst/>
+                </a:prstGeom>
+                <a:solidFill>
+                  <a:schemeClr val="bg1"/>
+                </a:solidFill>
+                <a:ln w="38100">
+                  <a:solidFill>
+                    <a:schemeClr val="tx1"/>
+                  </a:solidFill>
+                </a:ln>
+              </p:spPr>
+              <p:style>
+                <a:lnRef idx="2">
+                  <a:schemeClr val="accent1">
+                    <a:shade val="50000"/>
+                  </a:schemeClr>
+                </a:lnRef>
+                <a:fillRef idx="1">
+                  <a:schemeClr val="accent1"/>
+                </a:fillRef>
+                <a:effectRef idx="0">
+                  <a:schemeClr val="accent1"/>
+                </a:effectRef>
+                <a:fontRef idx="minor">
+                  <a:schemeClr val="lt1"/>
+                </a:fontRef>
+              </p:style>
+              <p:txBody>
+                <a:bodyPr rtlCol="0" anchor="ctr"/>
+                <a:lstStyle/>
+                <a:p>
+                  <a:pPr algn="ctr"/>
+                  <a14:m>
+                    <m:oMathPara xmlns:m="http://schemas.openxmlformats.org/officeDocument/2006/math">
+                      <m:oMathParaPr>
+                        <m:jc m:val="centerGroup"/>
+                      </m:oMathParaPr>
+                      <m:oMath xmlns:m="http://schemas.openxmlformats.org/officeDocument/2006/math">
+                        <m:r>
+                          <a:rPr kumimoji="1" lang="en-US" altLang="ja-JP" b="0" i="1" smtClean="0">
+                            <a:solidFill>
+                              <a:schemeClr val="tx1"/>
+                            </a:solidFill>
+                            <a:latin typeface="Cambria Math" panose="02040503050406030204" pitchFamily="18" charset="0"/>
+                          </a:rPr>
+                          <m:t>𝑊</m:t>
+                        </m:r>
+                        <m:r>
+                          <a:rPr kumimoji="1" lang="en-US" altLang="ja-JP" b="0" i="1" smtClean="0">
+                            <a:solidFill>
+                              <a:schemeClr val="tx1"/>
+                            </a:solidFill>
+                            <a:latin typeface="Cambria Math" panose="02040503050406030204" pitchFamily="18" charset="0"/>
+                          </a:rPr>
+                          <m:t>&gt;90%</m:t>
+                        </m:r>
+                      </m:oMath>
+                    </m:oMathPara>
+                  </a14:m>
+                  <a:endParaRPr kumimoji="1" lang="ja-JP" altLang="en-US" dirty="0"/>
+                </a:p>
+              </p:txBody>
+            </p:sp>
+          </mc:Choice>
+          <mc:Fallback>
+            <p:sp>
+              <p:nvSpPr>
+                <p:cNvPr id="33" name="ひし形 32">
+                  <a:extLst>
+                    <a:ext uri="{FF2B5EF4-FFF2-40B4-BE49-F238E27FC236}">
+                      <a16:creationId xmlns:a16="http://schemas.microsoft.com/office/drawing/2014/main" id="{26F710B6-8A59-411F-A6F3-A5BAE87483BA}"/>
+                    </a:ext>
+                  </a:extLst>
+                </p:cNvPr>
+                <p:cNvSpPr>
+                  <a:spLocks noRot="1" noChangeAspect="1" noMove="1" noResize="1" noEditPoints="1" noAdjustHandles="1" noChangeArrowheads="1" noChangeShapeType="1" noTextEdit="1"/>
+                </p:cNvSpPr>
+                <p:nvPr/>
+              </p:nvSpPr>
+              <p:spPr>
+                <a:xfrm>
+                  <a:off x="6392341" y="4217414"/>
+                  <a:ext cx="2404534" cy="778932"/>
+                </a:xfrm>
+                <a:prstGeom prst="diamond">
+                  <a:avLst/>
+                </a:prstGeom>
+                <a:blipFill>
+                  <a:blip r:embed="rId5"/>
+                  <a:stretch>
+                    <a:fillRect/>
+                  </a:stretch>
+                </a:blipFill>
+                <a:ln w="38100">
+                  <a:solidFill>
+                    <a:schemeClr val="tx1"/>
+                  </a:solidFill>
+                </a:ln>
+              </p:spPr>
+              <p:txBody>
+                <a:bodyPr/>
+                <a:lstStyle/>
+                <a:p>
+                  <a:r>
+                    <a:rPr lang="ja-JP" altLang="en-US">
+                      <a:noFill/>
+                    </a:rPr>
+                    <a:t> </a:t>
+                  </a:r>
+                </a:p>
+              </p:txBody>
+            </p:sp>
+          </mc:Fallback>
+        </mc:AlternateContent>
+        <p:sp>
+          <p:nvSpPr>
+            <p:cNvPr id="34" name="正方形/長方形 33">
+              <a:extLst>
+                <a:ext uri="{FF2B5EF4-FFF2-40B4-BE49-F238E27FC236}">
+                  <a16:creationId xmlns:a16="http://schemas.microsoft.com/office/drawing/2014/main" id="{AF53DEEF-332B-4CE9-A7BA-688E389B75D6}"/>
+                </a:ext>
+              </a:extLst>
+            </p:cNvPr>
+            <p:cNvSpPr/>
+            <p:nvPr/>
+          </p:nvSpPr>
+          <p:spPr>
+            <a:xfrm>
+              <a:off x="1740491" y="4883156"/>
+              <a:ext cx="1778000" cy="541866"/>
+            </a:xfrm>
+            <a:prstGeom prst="rect">
+              <a:avLst/>
+            </a:prstGeom>
+            <a:solidFill>
+              <a:schemeClr val="bg1"/>
+            </a:solidFill>
+            <a:ln w="38100">
+              <a:solidFill>
+                <a:schemeClr val="tx1"/>
+              </a:solidFill>
+            </a:ln>
+          </p:spPr>
+          <p:style>
+            <a:lnRef idx="2">
+              <a:schemeClr val="accent1">
+                <a:shade val="50000"/>
+              </a:schemeClr>
+            </a:lnRef>
+            <a:fillRef idx="1">
+              <a:schemeClr val="accent1"/>
+            </a:fillRef>
+            <a:effectRef idx="0">
+              <a:schemeClr val="accent1"/>
+            </a:effectRef>
+            <a:fontRef idx="minor">
+              <a:schemeClr val="lt1"/>
+            </a:fontRef>
+          </p:style>
+          <p:txBody>
+            <a:bodyPr rtlCol="0" anchor="ctr"/>
+            <a:lstStyle/>
+            <a:p>
+              <a:pPr algn="ctr"/>
+              <a:r>
+                <a:rPr lang="en-US" altLang="ja-JP" dirty="0">
+                  <a:solidFill>
+                    <a:schemeClr val="tx1"/>
+                  </a:solidFill>
+                  <a:latin typeface="Arial" panose="020B0604020202020204" pitchFamily="34" charset="0"/>
+                  <a:cs typeface="Arial" panose="020B0604020202020204" pitchFamily="34" charset="0"/>
+                </a:rPr>
+                <a:t>Record</a:t>
+              </a:r>
+              <a:r>
+                <a:rPr lang="ja-JP" altLang="en-US" dirty="0">
+                  <a:solidFill>
+                    <a:schemeClr val="tx1"/>
+                  </a:solidFill>
+                  <a:latin typeface="Arial" panose="020B0604020202020204" pitchFamily="34" charset="0"/>
+                  <a:cs typeface="Arial" panose="020B0604020202020204" pitchFamily="34" charset="0"/>
+                </a:rPr>
+                <a:t> </a:t>
+              </a:r>
+              <a:r>
+                <a:rPr lang="en-US" altLang="ja-JP" dirty="0">
+                  <a:solidFill>
+                    <a:schemeClr val="tx1"/>
+                  </a:solidFill>
+                  <a:latin typeface="Arial" panose="020B0604020202020204" pitchFamily="34" charset="0"/>
+                  <a:cs typeface="Arial" panose="020B0604020202020204" pitchFamily="34" charset="0"/>
+                </a:rPr>
+                <a:t>sound</a:t>
+              </a:r>
+              <a:endParaRPr kumimoji="1" lang="ja-JP" altLang="en-US" dirty="0">
+                <a:solidFill>
+                  <a:schemeClr val="tx1"/>
+                </a:solidFill>
+                <a:latin typeface="Arial" panose="020B0604020202020204" pitchFamily="34" charset="0"/>
+                <a:cs typeface="Arial" panose="020B0604020202020204" pitchFamily="34" charset="0"/>
+              </a:endParaRPr>
+            </a:p>
+          </p:txBody>
+        </p:sp>
+        <p:cxnSp>
+          <p:nvCxnSpPr>
+            <p:cNvPr id="78" name="直線矢印コネクタ 77">
+              <a:extLst>
+                <a:ext uri="{FF2B5EF4-FFF2-40B4-BE49-F238E27FC236}">
+                  <a16:creationId xmlns:a16="http://schemas.microsoft.com/office/drawing/2014/main" id="{8169A84A-4FE4-40A1-982A-675123F00686}"/>
+                </a:ext>
+              </a:extLst>
+            </p:cNvPr>
+            <p:cNvCxnSpPr>
+              <a:cxnSpLocks/>
+              <a:stCxn id="27" idx="2"/>
+              <a:endCxn id="33" idx="0"/>
+            </p:cNvCxnSpPr>
+            <p:nvPr/>
+          </p:nvCxnSpPr>
+          <p:spPr>
+            <a:xfrm>
+              <a:off x="7594608" y="3672000"/>
+              <a:ext cx="0" cy="545414"/>
+            </a:xfrm>
+            <a:prstGeom prst="straightConnector1">
+              <a:avLst/>
+            </a:prstGeom>
+            <a:ln w="38100">
+              <a:solidFill>
+                <a:schemeClr val="tx1"/>
+              </a:solidFill>
+              <a:tailEnd type="triangle"/>
+            </a:ln>
+          </p:spPr>
+          <p:style>
+            <a:lnRef idx="1">
+              <a:schemeClr val="accent1"/>
+            </a:lnRef>
+            <a:fillRef idx="0">
+              <a:schemeClr val="accent1"/>
+            </a:fillRef>
+            <a:effectRef idx="0">
+              <a:schemeClr val="accent1"/>
+            </a:effectRef>
+            <a:fontRef idx="minor">
+              <a:schemeClr val="tx1"/>
+            </a:fontRef>
+          </p:style>
+        </p:cxnSp>
+        <mc:AlternateContent xmlns:mc="http://schemas.openxmlformats.org/markup-compatibility/2006">
+          <mc:Choice xmlns:a14="http://schemas.microsoft.com/office/drawing/2010/main" Requires="a14">
+            <p:sp>
+              <p:nvSpPr>
+                <p:cNvPr id="84" name="テキスト ボックス 83">
+                  <a:extLst>
+                    <a:ext uri="{FF2B5EF4-FFF2-40B4-BE49-F238E27FC236}">
+                      <a16:creationId xmlns:a16="http://schemas.microsoft.com/office/drawing/2014/main" id="{60D67646-B5CA-4F3B-BCCE-5BC6E24B8216}"/>
+                    </a:ext>
+                  </a:extLst>
+                </p:cNvPr>
+                <p:cNvSpPr txBox="1"/>
+                <p:nvPr/>
+              </p:nvSpPr>
+              <p:spPr>
+                <a:xfrm>
+                  <a:off x="7617895" y="3776093"/>
+                  <a:ext cx="1602303" cy="338554"/>
+                </a:xfrm>
+                <a:prstGeom prst="rect">
+                  <a:avLst/>
+                </a:prstGeom>
+                <a:noFill/>
+              </p:spPr>
+              <p:txBody>
+                <a:bodyPr wrap="square" rtlCol="0">
+                  <a:spAutoFit/>
+                </a:bodyPr>
+                <a:lstStyle/>
+                <a:p>
+                  <a14:m>
+                    <m:oMath xmlns:m="http://schemas.openxmlformats.org/officeDocument/2006/math">
+                      <m:r>
+                        <a:rPr kumimoji="1" lang="en-US" altLang="ja-JP" sz="1600" b="0" i="1" smtClean="0">
+                          <a:latin typeface="Cambria Math" panose="02040503050406030204" pitchFamily="18" charset="0"/>
+                          <a:cs typeface="Arial" panose="020B0604020202020204" pitchFamily="34" charset="0"/>
+                        </a:rPr>
+                        <m:t>𝑊</m:t>
+                      </m:r>
+                    </m:oMath>
+                  </a14:m>
+                  <a:r>
+                    <a:rPr kumimoji="1" lang="ja-JP" altLang="en-US" sz="1600" dirty="0">
+                      <a:latin typeface="Arial" panose="020B0604020202020204" pitchFamily="34" charset="0"/>
+                      <a:cs typeface="Arial" panose="020B0604020202020204" pitchFamily="34" charset="0"/>
+                    </a:rPr>
+                    <a:t> </a:t>
+                  </a:r>
+                  <a:r>
+                    <a:rPr kumimoji="1" lang="en-US" altLang="ja-JP" sz="1600" dirty="0">
+                      <a:latin typeface="Arial" panose="020B0604020202020204" pitchFamily="34" charset="0"/>
+                      <a:cs typeface="Arial" panose="020B0604020202020204" pitchFamily="34" charset="0"/>
+                    </a:rPr>
+                    <a:t>(Water level)</a:t>
+                  </a:r>
+                  <a:endParaRPr kumimoji="1" lang="ja-JP" altLang="en-US" sz="1600" dirty="0">
+                    <a:latin typeface="Arial" panose="020B0604020202020204" pitchFamily="34" charset="0"/>
+                    <a:cs typeface="Arial" panose="020B0604020202020204" pitchFamily="34" charset="0"/>
+                  </a:endParaRPr>
+                </a:p>
+              </p:txBody>
+            </p:sp>
+          </mc:Choice>
+          <mc:Fallback>
+            <p:sp>
+              <p:nvSpPr>
+                <p:cNvPr id="84" name="テキスト ボックス 83">
+                  <a:extLst>
+                    <a:ext uri="{FF2B5EF4-FFF2-40B4-BE49-F238E27FC236}">
+                      <a16:creationId xmlns:a16="http://schemas.microsoft.com/office/drawing/2014/main" id="{60D67646-B5CA-4F3B-BCCE-5BC6E24B8216}"/>
+                    </a:ext>
+                  </a:extLst>
+                </p:cNvPr>
+                <p:cNvSpPr txBox="1">
+                  <a:spLocks noRot="1" noChangeAspect="1" noMove="1" noResize="1" noEditPoints="1" noAdjustHandles="1" noChangeArrowheads="1" noChangeShapeType="1" noTextEdit="1"/>
+                </p:cNvSpPr>
+                <p:nvPr/>
+              </p:nvSpPr>
+              <p:spPr>
+                <a:xfrm>
+                  <a:off x="7617895" y="3776093"/>
+                  <a:ext cx="1602303" cy="338554"/>
+                </a:xfrm>
+                <a:prstGeom prst="rect">
+                  <a:avLst/>
+                </a:prstGeom>
+                <a:blipFill>
+                  <a:blip r:embed="rId6"/>
+                  <a:stretch>
+                    <a:fillRect t="-5455" b="-23636"/>
+                  </a:stretch>
+                </a:blipFill>
+              </p:spPr>
+              <p:txBody>
+                <a:bodyPr/>
+                <a:lstStyle/>
+                <a:p>
+                  <a:r>
+                    <a:rPr lang="ja-JP" altLang="en-US">
+                      <a:noFill/>
+                    </a:rPr>
+                    <a:t> </a:t>
+                  </a:r>
+                </a:p>
+              </p:txBody>
+            </p:sp>
+          </mc:Fallback>
+        </mc:AlternateContent>
+        <p:cxnSp>
+          <p:nvCxnSpPr>
+            <p:cNvPr id="96" name="コネクタ: カギ線 95">
+              <a:extLst>
+                <a:ext uri="{FF2B5EF4-FFF2-40B4-BE49-F238E27FC236}">
+                  <a16:creationId xmlns:a16="http://schemas.microsoft.com/office/drawing/2014/main" id="{7D90AD17-6D9C-40F4-B622-D171F2526054}"/>
+                </a:ext>
+              </a:extLst>
+            </p:cNvPr>
+            <p:cNvCxnSpPr>
+              <a:cxnSpLocks/>
+              <a:stCxn id="33" idx="2"/>
+              <a:endCxn id="34" idx="3"/>
+            </p:cNvCxnSpPr>
+            <p:nvPr/>
+          </p:nvCxnSpPr>
+          <p:spPr>
+            <a:xfrm rot="5400000">
+              <a:off x="5477679" y="3037159"/>
+              <a:ext cx="157743" cy="4076117"/>
+            </a:xfrm>
+            <a:prstGeom prst="bentConnector2">
+              <a:avLst/>
+            </a:prstGeom>
+            <a:ln w="38100">
+              <a:solidFill>
+                <a:srgbClr val="0070C0"/>
+              </a:solidFill>
+              <a:tailEnd type="triangle"/>
+            </a:ln>
+          </p:spPr>
+          <p:style>
+            <a:lnRef idx="1">
+              <a:schemeClr val="accent1"/>
+            </a:lnRef>
+            <a:fillRef idx="0">
+              <a:schemeClr val="accent1"/>
+            </a:fillRef>
+            <a:effectRef idx="0">
+              <a:schemeClr val="accent1"/>
+            </a:effectRef>
+            <a:fontRef idx="minor">
+              <a:schemeClr val="tx1"/>
+            </a:fontRef>
+          </p:style>
+        </p:cxnSp>
+        <p:cxnSp>
+          <p:nvCxnSpPr>
+            <p:cNvPr id="108" name="コネクタ: カギ線 107">
+              <a:extLst>
+                <a:ext uri="{FF2B5EF4-FFF2-40B4-BE49-F238E27FC236}">
+                  <a16:creationId xmlns:a16="http://schemas.microsoft.com/office/drawing/2014/main" id="{59888663-7AF7-4472-A26D-9A84F022DB85}"/>
+                </a:ext>
+              </a:extLst>
+            </p:cNvPr>
+            <p:cNvCxnSpPr>
+              <a:stCxn id="33" idx="1"/>
+              <a:endCxn id="19" idx="3"/>
+            </p:cNvCxnSpPr>
+            <p:nvPr/>
+          </p:nvCxnSpPr>
+          <p:spPr>
+            <a:xfrm rot="10800000">
+              <a:off x="3967227" y="3483934"/>
+              <a:ext cx="2425115" cy="1122947"/>
+            </a:xfrm>
+            <a:prstGeom prst="bentConnector3">
+              <a:avLst/>
+            </a:prstGeom>
+            <a:ln w="38100">
+              <a:solidFill>
+                <a:srgbClr val="FF0000"/>
+              </a:solidFill>
+              <a:tailEnd type="triangle"/>
+            </a:ln>
+          </p:spPr>
+          <p:style>
+            <a:lnRef idx="1">
+              <a:schemeClr val="accent1"/>
+            </a:lnRef>
+            <a:fillRef idx="0">
+              <a:schemeClr val="accent1"/>
+            </a:fillRef>
+            <a:effectRef idx="0">
+              <a:schemeClr val="accent1"/>
+            </a:effectRef>
+            <a:fontRef idx="minor">
+              <a:schemeClr val="tx1"/>
+            </a:fontRef>
+          </p:style>
+        </p:cxnSp>
+        <p:sp>
+          <p:nvSpPr>
+            <p:cNvPr id="111" name="正方形/長方形 110">
+              <a:extLst>
+                <a:ext uri="{FF2B5EF4-FFF2-40B4-BE49-F238E27FC236}">
+                  <a16:creationId xmlns:a16="http://schemas.microsoft.com/office/drawing/2014/main" id="{8F210461-C2F0-4763-9F91-6ECB61434F8A}"/>
+                </a:ext>
+              </a:extLst>
+            </p:cNvPr>
+            <p:cNvSpPr/>
+            <p:nvPr/>
+          </p:nvSpPr>
+          <p:spPr>
+            <a:xfrm>
+              <a:off x="4295018" y="3796750"/>
+              <a:ext cx="1778000" cy="541866"/>
+            </a:xfrm>
+            <a:prstGeom prst="rect">
+              <a:avLst/>
+            </a:prstGeom>
+            <a:solidFill>
+              <a:schemeClr val="bg1"/>
+            </a:solidFill>
+            <a:ln w="38100">
+              <a:solidFill>
+                <a:schemeClr val="tx1"/>
+              </a:solidFill>
+            </a:ln>
+          </p:spPr>
+          <p:style>
+            <a:lnRef idx="2">
+              <a:schemeClr val="accent1">
+                <a:shade val="50000"/>
+              </a:schemeClr>
+            </a:lnRef>
+            <a:fillRef idx="1">
+              <a:schemeClr val="accent1"/>
+            </a:fillRef>
+            <a:effectRef idx="0">
+              <a:schemeClr val="accent1"/>
+            </a:effectRef>
+            <a:fontRef idx="minor">
+              <a:schemeClr val="lt1"/>
+            </a:fontRef>
+          </p:style>
+          <p:txBody>
+            <a:bodyPr rtlCol="0" anchor="ctr"/>
+            <a:lstStyle/>
+            <a:p>
+              <a:pPr algn="ctr"/>
+              <a:r>
+                <a:rPr lang="en-US" altLang="ja-JP" dirty="0">
+                  <a:solidFill>
+                    <a:schemeClr val="tx1"/>
+                  </a:solidFill>
+                  <a:latin typeface="Arial" panose="020B0604020202020204" pitchFamily="34" charset="0"/>
+                  <a:cs typeface="Arial" panose="020B0604020202020204" pitchFamily="34" charset="0"/>
+                </a:rPr>
+                <a:t>Close</a:t>
+              </a:r>
+              <a:r>
+                <a:rPr lang="ja-JP" altLang="en-US" dirty="0">
+                  <a:solidFill>
+                    <a:schemeClr val="tx1"/>
+                  </a:solidFill>
+                  <a:latin typeface="Arial" panose="020B0604020202020204" pitchFamily="34" charset="0"/>
+                  <a:cs typeface="Arial" panose="020B0604020202020204" pitchFamily="34" charset="0"/>
+                </a:rPr>
+                <a:t> </a:t>
+              </a:r>
+              <a:r>
+                <a:rPr lang="en-US" altLang="ja-JP" dirty="0">
+                  <a:solidFill>
+                    <a:schemeClr val="tx1"/>
+                  </a:solidFill>
+                  <a:latin typeface="Arial" panose="020B0604020202020204" pitchFamily="34" charset="0"/>
+                  <a:cs typeface="Arial" panose="020B0604020202020204" pitchFamily="34" charset="0"/>
+                </a:rPr>
+                <a:t>valve</a:t>
+              </a:r>
+              <a:endParaRPr kumimoji="1" lang="ja-JP" altLang="en-US" dirty="0">
+                <a:solidFill>
+                  <a:schemeClr val="tx1"/>
+                </a:solidFill>
+                <a:latin typeface="Arial" panose="020B0604020202020204" pitchFamily="34" charset="0"/>
+                <a:cs typeface="Arial" panose="020B0604020202020204" pitchFamily="34" charset="0"/>
+              </a:endParaRPr>
+            </a:p>
+          </p:txBody>
+        </p:sp>
+        <p:sp>
+          <p:nvSpPr>
+            <p:cNvPr id="114" name="テキスト ボックス 113">
+              <a:extLst>
+                <a:ext uri="{FF2B5EF4-FFF2-40B4-BE49-F238E27FC236}">
+                  <a16:creationId xmlns:a16="http://schemas.microsoft.com/office/drawing/2014/main" id="{B8B4C664-665B-481C-BAF1-5275FC918D72}"/>
+                </a:ext>
+              </a:extLst>
+            </p:cNvPr>
+            <p:cNvSpPr txBox="1"/>
+            <p:nvPr/>
+          </p:nvSpPr>
+          <p:spPr>
+            <a:xfrm>
+              <a:off x="5863331" y="4610735"/>
+              <a:ext cx="620160" cy="338554"/>
+            </a:xfrm>
+            <a:prstGeom prst="rect">
+              <a:avLst/>
+            </a:prstGeom>
+            <a:noFill/>
+          </p:spPr>
+          <p:txBody>
+            <a:bodyPr wrap="square" rtlCol="0">
+              <a:spAutoFit/>
+            </a:bodyPr>
+            <a:lstStyle/>
+            <a:p>
+              <a:pPr algn="ctr"/>
+              <a:r>
+                <a:rPr lang="en-US" altLang="ja-JP" sz="1600" dirty="0">
+                  <a:latin typeface="Arial" panose="020B0604020202020204" pitchFamily="34" charset="0"/>
+                  <a:cs typeface="Arial" panose="020B0604020202020204" pitchFamily="34" charset="0"/>
+                </a:rPr>
+                <a:t>Yes</a:t>
+              </a:r>
+              <a:endParaRPr kumimoji="1" lang="ja-JP" altLang="en-US" sz="1600" dirty="0">
+                <a:latin typeface="Arial" panose="020B0604020202020204" pitchFamily="34" charset="0"/>
+                <a:cs typeface="Arial" panose="020B0604020202020204" pitchFamily="34" charset="0"/>
+              </a:endParaRPr>
+            </a:p>
+          </p:txBody>
+        </p:sp>
+        <p:sp>
+          <p:nvSpPr>
+            <p:cNvPr id="116" name="テキスト ボックス 115">
+              <a:extLst>
+                <a:ext uri="{FF2B5EF4-FFF2-40B4-BE49-F238E27FC236}">
+                  <a16:creationId xmlns:a16="http://schemas.microsoft.com/office/drawing/2014/main" id="{2681E744-8061-453F-8627-68FFC0AA14FE}"/>
+                </a:ext>
+              </a:extLst>
+            </p:cNvPr>
+            <p:cNvSpPr txBox="1"/>
+            <p:nvPr/>
+          </p:nvSpPr>
+          <p:spPr>
+            <a:xfrm>
+              <a:off x="7065597" y="5152824"/>
+              <a:ext cx="620160" cy="338554"/>
+            </a:xfrm>
+            <a:prstGeom prst="rect">
+              <a:avLst/>
+            </a:prstGeom>
+            <a:noFill/>
+          </p:spPr>
+          <p:txBody>
+            <a:bodyPr wrap="square" rtlCol="0">
+              <a:spAutoFit/>
+            </a:bodyPr>
+            <a:lstStyle/>
+            <a:p>
+              <a:pPr algn="ctr"/>
+              <a:r>
+                <a:rPr lang="en-US" altLang="ja-JP" sz="1600" dirty="0">
+                  <a:latin typeface="Arial" panose="020B0604020202020204" pitchFamily="34" charset="0"/>
+                  <a:cs typeface="Arial" panose="020B0604020202020204" pitchFamily="34" charset="0"/>
+                </a:rPr>
+                <a:t>No</a:t>
+              </a:r>
+              <a:endParaRPr kumimoji="1" lang="ja-JP" altLang="en-US" sz="1600" dirty="0">
+                <a:latin typeface="Arial" panose="020B0604020202020204" pitchFamily="34" charset="0"/>
+                <a:cs typeface="Arial" panose="020B0604020202020204" pitchFamily="34" charset="0"/>
+              </a:endParaRPr>
+            </a:p>
+          </p:txBody>
+        </p:sp>
+        <p:cxnSp>
+          <p:nvCxnSpPr>
+            <p:cNvPr id="39" name="直線矢印コネクタ 38">
+              <a:extLst>
+                <a:ext uri="{FF2B5EF4-FFF2-40B4-BE49-F238E27FC236}">
+                  <a16:creationId xmlns:a16="http://schemas.microsoft.com/office/drawing/2014/main" id="{C68164D0-422A-447F-9B03-73C0C7814FF4}"/>
+                </a:ext>
+              </a:extLst>
+            </p:cNvPr>
+            <p:cNvCxnSpPr>
+              <a:cxnSpLocks/>
+              <a:stCxn id="9" idx="6"/>
+              <a:endCxn id="27" idx="1"/>
+            </p:cNvCxnSpPr>
+            <p:nvPr/>
+          </p:nvCxnSpPr>
+          <p:spPr>
+            <a:xfrm>
+              <a:off x="3191164" y="3031173"/>
+              <a:ext cx="3201177" cy="1827"/>
+            </a:xfrm>
+            <a:prstGeom prst="straightConnector1">
+              <a:avLst/>
+            </a:prstGeom>
+            <a:ln w="38100">
+              <a:solidFill>
+                <a:schemeClr val="tx1"/>
+              </a:solidFill>
+              <a:tailEnd type="triangle"/>
+            </a:ln>
+          </p:spPr>
+          <p:style>
+            <a:lnRef idx="1">
+              <a:schemeClr val="accent1"/>
+            </a:lnRef>
+            <a:fillRef idx="0">
+              <a:schemeClr val="accent1"/>
+            </a:fillRef>
+            <a:effectRef idx="0">
+              <a:schemeClr val="accent1"/>
+            </a:effectRef>
+            <a:fontRef idx="minor">
+              <a:schemeClr val="tx1"/>
+            </a:fontRef>
+          </p:style>
+        </p:cxnSp>
+      </p:grpSp>
+    </p:spTree>
+    <p:extLst>
+      <p:ext uri="{BB962C8B-B14F-4D97-AF65-F5344CB8AC3E}">
+        <p14:creationId xmlns:p14="http://schemas.microsoft.com/office/powerpoint/2010/main" val="1702381649"/>
+      </p:ext>
+    </p:extLst>
+  </p:cSld>
+  <p:clrMapOvr>
+    <a:masterClrMapping/>
+  </p:clrMapOvr>
+</p:sld>
+</file>
+
 <file path=ppt/theme/theme1.xml><?xml version="1.0" encoding="utf-8"?>
 <a:theme xmlns:a="http://schemas.openxmlformats.org/drawingml/2006/main" name="Office テーマ">
   <a:themeElements>

--- a/paper/water/figures/figures.pptx
+++ b/paper/water/figures/figures.pptx
@@ -7,6 +7,7 @@
   <p:sldIdLst>
     <p:sldId id="256" r:id="rId2"/>
     <p:sldId id="257" r:id="rId3"/>
+    <p:sldId id="258" r:id="rId4"/>
   </p:sldIdLst>
   <p:sldSz cx="12192000" cy="6858000"/>
   <p:notesSz cx="6858000" cy="9144000"/>
@@ -5762,8 +5763,8 @@
             </a:p>
           </p:txBody>
         </p:sp>
-        <mc:AlternateContent xmlns:mc="http://schemas.openxmlformats.org/markup-compatibility/2006">
-          <mc:Choice xmlns:a14="http://schemas.microsoft.com/office/drawing/2010/main" Requires="a14">
+        <mc:AlternateContent xmlns:mc="http://schemas.openxmlformats.org/markup-compatibility/2006" xmlns:a14="http://schemas.microsoft.com/office/drawing/2010/main">
+          <mc:Choice Requires="a14">
             <p:sp>
               <p:nvSpPr>
                 <p:cNvPr id="33" name="ひし形 32">
@@ -5846,7 +5847,7 @@
               </p:txBody>
             </p:sp>
           </mc:Choice>
-          <mc:Fallback>
+          <mc:Fallback xmlns="">
             <p:sp>
               <p:nvSpPr>
                 <p:cNvPr id="33" name="ひし形 32">
@@ -6032,8 +6033,8 @@
             </a:fontRef>
           </p:style>
         </p:cxnSp>
-        <mc:AlternateContent xmlns:mc="http://schemas.openxmlformats.org/markup-compatibility/2006">
-          <mc:Choice xmlns:a14="http://schemas.microsoft.com/office/drawing/2010/main" Requires="a14">
+        <mc:AlternateContent xmlns:mc="http://schemas.openxmlformats.org/markup-compatibility/2006" xmlns:a14="http://schemas.microsoft.com/office/drawing/2010/main">
+          <mc:Choice Requires="a14">
             <p:sp>
               <p:nvSpPr>
                 <p:cNvPr id="84" name="テキスト ボックス 83">
@@ -6095,7 +6096,7 @@
               </p:txBody>
             </p:sp>
           </mc:Choice>
-          <mc:Fallback>
+          <mc:Fallback xmlns="">
             <p:sp>
               <p:nvSpPr>
                 <p:cNvPr id="84" name="テキスト ボックス 83">
@@ -6467,6 +6468,507 @@
 </p:sld>
 </file>
 
+<file path=ppt/slides/slide3.xml><?xml version="1.0" encoding="utf-8"?>
+<p:sld xmlns:a="http://schemas.openxmlformats.org/drawingml/2006/main" xmlns:r="http://schemas.openxmlformats.org/officeDocument/2006/relationships" xmlns:p="http://schemas.openxmlformats.org/presentationml/2006/main">
+  <p:cSld>
+    <p:spTree>
+      <p:nvGrpSpPr>
+        <p:cNvPr id="1" name=""/>
+        <p:cNvGrpSpPr/>
+        <p:nvPr/>
+      </p:nvGrpSpPr>
+      <p:grpSpPr>
+        <a:xfrm>
+          <a:off x="0" y="0"/>
+          <a:ext cx="0" cy="0"/>
+          <a:chOff x="0" y="0"/>
+          <a:chExt cx="0" cy="0"/>
+        </a:xfrm>
+      </p:grpSpPr>
+      <p:pic>
+        <p:nvPicPr>
+          <p:cNvPr id="4" name="グラフィックス 3">
+            <a:extLst>
+              <a:ext uri="{FF2B5EF4-FFF2-40B4-BE49-F238E27FC236}">
+                <a16:creationId xmlns:a16="http://schemas.microsoft.com/office/drawing/2014/main" id="{42695A82-C4BB-4580-A429-47A3166F311D}"/>
+              </a:ext>
+            </a:extLst>
+          </p:cNvPr>
+          <p:cNvPicPr>
+            <a:picLocks noChangeAspect="1"/>
+          </p:cNvPicPr>
+          <p:nvPr/>
+        </p:nvPicPr>
+        <p:blipFill>
+          <a:blip r:embed="rId2">
+            <a:extLst>
+              <a:ext uri="{28A0092B-C50C-407E-A947-70E740481C1C}">
+                <a14:useLocalDpi xmlns:a14="http://schemas.microsoft.com/office/drawing/2010/main" val="0"/>
+              </a:ext>
+              <a:ext uri="{96DAC541-7B7A-43D3-8B79-37D633B846F1}">
+                <asvg:svgBlip xmlns:asvg="http://schemas.microsoft.com/office/drawing/2016/SVG/main" r:embed="rId3"/>
+              </a:ext>
+            </a:extLst>
+          </a:blip>
+          <a:stretch>
+            <a:fillRect/>
+          </a:stretch>
+        </p:blipFill>
+        <p:spPr>
+          <a:xfrm rot="16200000">
+            <a:off x="-347132" y="3375610"/>
+            <a:ext cx="2997199" cy="626532"/>
+          </a:xfrm>
+          <a:prstGeom prst="rect">
+            <a:avLst/>
+          </a:prstGeom>
+        </p:spPr>
+      </p:pic>
+      <p:pic>
+        <p:nvPicPr>
+          <p:cNvPr id="5" name="グラフィックス 4">
+            <a:extLst>
+              <a:ext uri="{FF2B5EF4-FFF2-40B4-BE49-F238E27FC236}">
+                <a16:creationId xmlns:a16="http://schemas.microsoft.com/office/drawing/2014/main" id="{DD1524B7-455F-468B-833D-3BF6021B25CD}"/>
+              </a:ext>
+            </a:extLst>
+          </p:cNvPr>
+          <p:cNvPicPr>
+            <a:picLocks noChangeAspect="1"/>
+          </p:cNvPicPr>
+          <p:nvPr/>
+        </p:nvPicPr>
+        <p:blipFill>
+          <a:blip r:embed="rId4">
+            <a:extLst>
+              <a:ext uri="{28A0092B-C50C-407E-A947-70E740481C1C}">
+                <a14:useLocalDpi xmlns:a14="http://schemas.microsoft.com/office/drawing/2010/main" val="0"/>
+              </a:ext>
+              <a:ext uri="{96DAC541-7B7A-43D3-8B79-37D633B846F1}">
+                <asvg:svgBlip xmlns:asvg="http://schemas.microsoft.com/office/drawing/2016/SVG/main" r:embed="rId5"/>
+              </a:ext>
+            </a:extLst>
+          </a:blip>
+          <a:stretch>
+            <a:fillRect/>
+          </a:stretch>
+        </p:blipFill>
+        <p:spPr>
+          <a:xfrm rot="16200000">
+            <a:off x="1643221" y="3462178"/>
+            <a:ext cx="1353292" cy="626534"/>
+          </a:xfrm>
+          <a:prstGeom prst="rect">
+            <a:avLst/>
+          </a:prstGeom>
+        </p:spPr>
+      </p:pic>
+      <p:pic>
+        <p:nvPicPr>
+          <p:cNvPr id="6" name="図 5">
+            <a:extLst>
+              <a:ext uri="{FF2B5EF4-FFF2-40B4-BE49-F238E27FC236}">
+                <a16:creationId xmlns:a16="http://schemas.microsoft.com/office/drawing/2014/main" id="{050CE732-B4BC-4629-B6F3-A08243168582}"/>
+              </a:ext>
+            </a:extLst>
+          </p:cNvPr>
+          <p:cNvPicPr>
+            <a:picLocks noChangeAspect="1"/>
+          </p:cNvPicPr>
+          <p:nvPr/>
+        </p:nvPicPr>
+        <p:blipFill>
+          <a:blip r:embed="rId6"/>
+          <a:stretch>
+            <a:fillRect/>
+          </a:stretch>
+        </p:blipFill>
+        <p:spPr>
+          <a:xfrm flipH="1">
+            <a:off x="3175000" y="2670433"/>
+            <a:ext cx="1457070" cy="1664352"/>
+          </a:xfrm>
+          <a:prstGeom prst="rect">
+            <a:avLst/>
+          </a:prstGeom>
+        </p:spPr>
+      </p:pic>
+      <p:pic>
+        <p:nvPicPr>
+          <p:cNvPr id="7" name="図 6">
+            <a:extLst>
+              <a:ext uri="{FF2B5EF4-FFF2-40B4-BE49-F238E27FC236}">
+                <a16:creationId xmlns:a16="http://schemas.microsoft.com/office/drawing/2014/main" id="{B1D78C13-9500-452E-986A-283272AD3A63}"/>
+              </a:ext>
+            </a:extLst>
+          </p:cNvPr>
+          <p:cNvPicPr>
+            <a:picLocks noChangeAspect="1"/>
+          </p:cNvPicPr>
+          <p:nvPr/>
+        </p:nvPicPr>
+        <p:blipFill>
+          <a:blip r:embed="rId6"/>
+          <a:stretch>
+            <a:fillRect/>
+          </a:stretch>
+        </p:blipFill>
+        <p:spPr>
+          <a:xfrm flipH="1">
+            <a:off x="5698066" y="2388592"/>
+            <a:ext cx="1457070" cy="1664352"/>
+          </a:xfrm>
+          <a:prstGeom prst="rect">
+            <a:avLst/>
+          </a:prstGeom>
+        </p:spPr>
+      </p:pic>
+      <p:pic>
+        <p:nvPicPr>
+          <p:cNvPr id="8" name="図 7">
+            <a:extLst>
+              <a:ext uri="{FF2B5EF4-FFF2-40B4-BE49-F238E27FC236}">
+                <a16:creationId xmlns:a16="http://schemas.microsoft.com/office/drawing/2014/main" id="{6C194D8E-5A73-4C6D-80E1-7F3C57BEEA16}"/>
+              </a:ext>
+            </a:extLst>
+          </p:cNvPr>
+          <p:cNvPicPr>
+            <a:picLocks noChangeAspect="1"/>
+          </p:cNvPicPr>
+          <p:nvPr/>
+        </p:nvPicPr>
+        <p:blipFill>
+          <a:blip r:embed="rId6"/>
+          <a:stretch>
+            <a:fillRect/>
+          </a:stretch>
+        </p:blipFill>
+        <p:spPr>
+          <a:xfrm flipH="1">
+            <a:off x="5698066" y="3086496"/>
+            <a:ext cx="1457070" cy="1664352"/>
+          </a:xfrm>
+          <a:prstGeom prst="rect">
+            <a:avLst/>
+          </a:prstGeom>
+        </p:spPr>
+      </p:pic>
+      <p:grpSp>
+        <p:nvGrpSpPr>
+          <p:cNvPr id="9" name="グループ化 8">
+            <a:extLst>
+              <a:ext uri="{FF2B5EF4-FFF2-40B4-BE49-F238E27FC236}">
+                <a16:creationId xmlns:a16="http://schemas.microsoft.com/office/drawing/2014/main" id="{6DCE56C1-D8DE-415B-949C-BD49064794F8}"/>
+              </a:ext>
+            </a:extLst>
+          </p:cNvPr>
+          <p:cNvGrpSpPr/>
+          <p:nvPr/>
+        </p:nvGrpSpPr>
+        <p:grpSpPr>
+          <a:xfrm>
+            <a:off x="8420579" y="1492254"/>
+            <a:ext cx="2508280" cy="3750505"/>
+            <a:chOff x="8420579" y="1492254"/>
+            <a:chExt cx="2508280" cy="3750505"/>
+          </a:xfrm>
+        </p:grpSpPr>
+        <p:grpSp>
+          <p:nvGrpSpPr>
+            <p:cNvPr id="10" name="グループ化 9">
+              <a:extLst>
+                <a:ext uri="{FF2B5EF4-FFF2-40B4-BE49-F238E27FC236}">
+                  <a16:creationId xmlns:a16="http://schemas.microsoft.com/office/drawing/2014/main" id="{93D234F1-166D-42B8-BC50-87B21C7E5037}"/>
+                </a:ext>
+              </a:extLst>
+            </p:cNvPr>
+            <p:cNvGrpSpPr/>
+            <p:nvPr/>
+          </p:nvGrpSpPr>
+          <p:grpSpPr>
+            <a:xfrm>
+              <a:off x="8420579" y="1492254"/>
+              <a:ext cx="1457070" cy="3750505"/>
+              <a:chOff x="8420579" y="1615241"/>
+              <a:chExt cx="1457070" cy="3750505"/>
+            </a:xfrm>
+          </p:grpSpPr>
+          <p:pic>
+            <p:nvPicPr>
+              <p:cNvPr id="16" name="図 15">
+                <a:extLst>
+                  <a:ext uri="{FF2B5EF4-FFF2-40B4-BE49-F238E27FC236}">
+                    <a16:creationId xmlns:a16="http://schemas.microsoft.com/office/drawing/2014/main" id="{BBD5DB4A-FA3F-4AC7-B71E-649DB5C7F94B}"/>
+                  </a:ext>
+                </a:extLst>
+              </p:cNvPr>
+              <p:cNvPicPr>
+                <a:picLocks noChangeAspect="1"/>
+              </p:cNvPicPr>
+              <p:nvPr/>
+            </p:nvPicPr>
+            <p:blipFill>
+              <a:blip r:embed="rId6"/>
+              <a:stretch>
+                <a:fillRect/>
+              </a:stretch>
+            </p:blipFill>
+            <p:spPr>
+              <a:xfrm flipH="1">
+                <a:off x="8420579" y="1615241"/>
+                <a:ext cx="1457070" cy="1664352"/>
+              </a:xfrm>
+              <a:prstGeom prst="rect">
+                <a:avLst/>
+              </a:prstGeom>
+            </p:spPr>
+          </p:pic>
+          <p:pic>
+            <p:nvPicPr>
+              <p:cNvPr id="17" name="図 16">
+                <a:extLst>
+                  <a:ext uri="{FF2B5EF4-FFF2-40B4-BE49-F238E27FC236}">
+                    <a16:creationId xmlns:a16="http://schemas.microsoft.com/office/drawing/2014/main" id="{940D38FA-C5FB-4D07-8544-C2C04CA9748B}"/>
+                  </a:ext>
+                </a:extLst>
+              </p:cNvPr>
+              <p:cNvPicPr>
+                <a:picLocks noChangeAspect="1"/>
+              </p:cNvPicPr>
+              <p:nvPr/>
+            </p:nvPicPr>
+            <p:blipFill>
+              <a:blip r:embed="rId6"/>
+              <a:stretch>
+                <a:fillRect/>
+              </a:stretch>
+            </p:blipFill>
+            <p:spPr>
+              <a:xfrm flipH="1">
+                <a:off x="8420579" y="2313145"/>
+                <a:ext cx="1457070" cy="1664352"/>
+              </a:xfrm>
+              <a:prstGeom prst="rect">
+                <a:avLst/>
+              </a:prstGeom>
+            </p:spPr>
+          </p:pic>
+          <p:pic>
+            <p:nvPicPr>
+              <p:cNvPr id="18" name="図 17">
+                <a:extLst>
+                  <a:ext uri="{FF2B5EF4-FFF2-40B4-BE49-F238E27FC236}">
+                    <a16:creationId xmlns:a16="http://schemas.microsoft.com/office/drawing/2014/main" id="{BDB02F5D-CDB0-4065-BBC2-F99C2322F37B}"/>
+                  </a:ext>
+                </a:extLst>
+              </p:cNvPr>
+              <p:cNvPicPr>
+                <a:picLocks noChangeAspect="1"/>
+              </p:cNvPicPr>
+              <p:nvPr/>
+            </p:nvPicPr>
+            <p:blipFill>
+              <a:blip r:embed="rId6"/>
+              <a:stretch>
+                <a:fillRect/>
+              </a:stretch>
+            </p:blipFill>
+            <p:spPr>
+              <a:xfrm flipH="1">
+                <a:off x="8420579" y="3006446"/>
+                <a:ext cx="1457070" cy="1664352"/>
+              </a:xfrm>
+              <a:prstGeom prst="rect">
+                <a:avLst/>
+              </a:prstGeom>
+            </p:spPr>
+          </p:pic>
+          <p:pic>
+            <p:nvPicPr>
+              <p:cNvPr id="19" name="図 18">
+                <a:extLst>
+                  <a:ext uri="{FF2B5EF4-FFF2-40B4-BE49-F238E27FC236}">
+                    <a16:creationId xmlns:a16="http://schemas.microsoft.com/office/drawing/2014/main" id="{DD56BDF8-B335-40F5-A369-BD0CBA40B440}"/>
+                  </a:ext>
+                </a:extLst>
+              </p:cNvPr>
+              <p:cNvPicPr>
+                <a:picLocks noChangeAspect="1"/>
+              </p:cNvPicPr>
+              <p:nvPr/>
+            </p:nvPicPr>
+            <p:blipFill>
+              <a:blip r:embed="rId6"/>
+              <a:stretch>
+                <a:fillRect/>
+              </a:stretch>
+            </p:blipFill>
+            <p:spPr>
+              <a:xfrm flipH="1">
+                <a:off x="8420579" y="3701394"/>
+                <a:ext cx="1457070" cy="1664352"/>
+              </a:xfrm>
+              <a:prstGeom prst="rect">
+                <a:avLst/>
+              </a:prstGeom>
+            </p:spPr>
+          </p:pic>
+        </p:grpSp>
+        <p:grpSp>
+          <p:nvGrpSpPr>
+            <p:cNvPr id="11" name="グループ化 10">
+              <a:extLst>
+                <a:ext uri="{FF2B5EF4-FFF2-40B4-BE49-F238E27FC236}">
+                  <a16:creationId xmlns:a16="http://schemas.microsoft.com/office/drawing/2014/main" id="{2019D88E-508C-4B79-AB37-0A8F95818562}"/>
+                </a:ext>
+              </a:extLst>
+            </p:cNvPr>
+            <p:cNvGrpSpPr/>
+            <p:nvPr/>
+          </p:nvGrpSpPr>
+          <p:grpSpPr>
+            <a:xfrm>
+              <a:off x="9471789" y="1492254"/>
+              <a:ext cx="1457070" cy="3750505"/>
+              <a:chOff x="8420579" y="1615241"/>
+              <a:chExt cx="1457070" cy="3750505"/>
+            </a:xfrm>
+          </p:grpSpPr>
+          <p:pic>
+            <p:nvPicPr>
+              <p:cNvPr id="12" name="図 11">
+                <a:extLst>
+                  <a:ext uri="{FF2B5EF4-FFF2-40B4-BE49-F238E27FC236}">
+                    <a16:creationId xmlns:a16="http://schemas.microsoft.com/office/drawing/2014/main" id="{0D4349EC-038E-4B2F-A0A6-8EE84EEF4264}"/>
+                  </a:ext>
+                </a:extLst>
+              </p:cNvPr>
+              <p:cNvPicPr>
+                <a:picLocks noChangeAspect="1"/>
+              </p:cNvPicPr>
+              <p:nvPr/>
+            </p:nvPicPr>
+            <p:blipFill>
+              <a:blip r:embed="rId6"/>
+              <a:stretch>
+                <a:fillRect/>
+              </a:stretch>
+            </p:blipFill>
+            <p:spPr>
+              <a:xfrm flipH="1">
+                <a:off x="8420579" y="1615241"/>
+                <a:ext cx="1457070" cy="1664352"/>
+              </a:xfrm>
+              <a:prstGeom prst="rect">
+                <a:avLst/>
+              </a:prstGeom>
+            </p:spPr>
+          </p:pic>
+          <p:pic>
+            <p:nvPicPr>
+              <p:cNvPr id="13" name="図 12">
+                <a:extLst>
+                  <a:ext uri="{FF2B5EF4-FFF2-40B4-BE49-F238E27FC236}">
+                    <a16:creationId xmlns:a16="http://schemas.microsoft.com/office/drawing/2014/main" id="{47367BF5-4702-45E1-AAA1-13F51DBDBAB8}"/>
+                  </a:ext>
+                </a:extLst>
+              </p:cNvPr>
+              <p:cNvPicPr>
+                <a:picLocks noChangeAspect="1"/>
+              </p:cNvPicPr>
+              <p:nvPr/>
+            </p:nvPicPr>
+            <p:blipFill>
+              <a:blip r:embed="rId6"/>
+              <a:stretch>
+                <a:fillRect/>
+              </a:stretch>
+            </p:blipFill>
+            <p:spPr>
+              <a:xfrm flipH="1">
+                <a:off x="8420579" y="2313145"/>
+                <a:ext cx="1457070" cy="1664352"/>
+              </a:xfrm>
+              <a:prstGeom prst="rect">
+                <a:avLst/>
+              </a:prstGeom>
+            </p:spPr>
+          </p:pic>
+          <p:pic>
+            <p:nvPicPr>
+              <p:cNvPr id="14" name="図 13">
+                <a:extLst>
+                  <a:ext uri="{FF2B5EF4-FFF2-40B4-BE49-F238E27FC236}">
+                    <a16:creationId xmlns:a16="http://schemas.microsoft.com/office/drawing/2014/main" id="{2415374E-37CE-46E0-839A-93774CAC32B7}"/>
+                  </a:ext>
+                </a:extLst>
+              </p:cNvPr>
+              <p:cNvPicPr>
+                <a:picLocks noChangeAspect="1"/>
+              </p:cNvPicPr>
+              <p:nvPr/>
+            </p:nvPicPr>
+            <p:blipFill>
+              <a:blip r:embed="rId6"/>
+              <a:stretch>
+                <a:fillRect/>
+              </a:stretch>
+            </p:blipFill>
+            <p:spPr>
+              <a:xfrm flipH="1">
+                <a:off x="8420579" y="3006446"/>
+                <a:ext cx="1457070" cy="1664352"/>
+              </a:xfrm>
+              <a:prstGeom prst="rect">
+                <a:avLst/>
+              </a:prstGeom>
+            </p:spPr>
+          </p:pic>
+          <p:pic>
+            <p:nvPicPr>
+              <p:cNvPr id="15" name="図 14">
+                <a:extLst>
+                  <a:ext uri="{FF2B5EF4-FFF2-40B4-BE49-F238E27FC236}">
+                    <a16:creationId xmlns:a16="http://schemas.microsoft.com/office/drawing/2014/main" id="{E4518115-3D1C-466D-BF19-B1639EE6EE05}"/>
+                  </a:ext>
+                </a:extLst>
+              </p:cNvPr>
+              <p:cNvPicPr>
+                <a:picLocks noChangeAspect="1"/>
+              </p:cNvPicPr>
+              <p:nvPr/>
+            </p:nvPicPr>
+            <p:blipFill>
+              <a:blip r:embed="rId6"/>
+              <a:stretch>
+                <a:fillRect/>
+              </a:stretch>
+            </p:blipFill>
+            <p:spPr>
+              <a:xfrm flipH="1">
+                <a:off x="8420579" y="3701394"/>
+                <a:ext cx="1457070" cy="1664352"/>
+              </a:xfrm>
+              <a:prstGeom prst="rect">
+                <a:avLst/>
+              </a:prstGeom>
+            </p:spPr>
+          </p:pic>
+        </p:grpSp>
+      </p:grpSp>
+    </p:spTree>
+    <p:extLst>
+      <p:ext uri="{BB962C8B-B14F-4D97-AF65-F5344CB8AC3E}">
+        <p14:creationId xmlns:p14="http://schemas.microsoft.com/office/powerpoint/2010/main" val="3797691651"/>
+      </p:ext>
+    </p:extLst>
+  </p:cSld>
+  <p:clrMapOvr>
+    <a:masterClrMapping/>
+  </p:clrMapOvr>
+</p:sld>
+</file>
+
 <file path=ppt/theme/theme1.xml><?xml version="1.0" encoding="utf-8"?>
 <a:theme xmlns:a="http://schemas.openxmlformats.org/drawingml/2006/main" name="Office テーマ">
   <a:themeElements>

--- a/paper/water/figures/figures.pptx
+++ b/paper/water/figures/figures.pptx
@@ -6593,66 +6593,87 @@
           </a:prstGeom>
         </p:spPr>
       </p:pic>
-      <p:pic>
-        <p:nvPicPr>
-          <p:cNvPr id="7" name="図 6">
+      <p:grpSp>
+        <p:nvGrpSpPr>
+          <p:cNvPr id="2" name="グループ化 1">
             <a:extLst>
               <a:ext uri="{FF2B5EF4-FFF2-40B4-BE49-F238E27FC236}">
-                <a16:creationId xmlns:a16="http://schemas.microsoft.com/office/drawing/2014/main" id="{B1D78C13-9500-452E-986A-283272AD3A63}"/>
+                <a16:creationId xmlns:a16="http://schemas.microsoft.com/office/drawing/2014/main" id="{ACFDE618-3CA4-44CC-AD73-B025CEE44CC0}"/>
               </a:ext>
             </a:extLst>
           </p:cNvPr>
-          <p:cNvPicPr>
-            <a:picLocks noChangeAspect="1"/>
-          </p:cNvPicPr>
+          <p:cNvGrpSpPr/>
           <p:nvPr/>
-        </p:nvPicPr>
-        <p:blipFill>
-          <a:blip r:embed="rId6"/>
-          <a:stretch>
-            <a:fillRect/>
-          </a:stretch>
-        </p:blipFill>
-        <p:spPr>
-          <a:xfrm flipH="1">
+        </p:nvGrpSpPr>
+        <p:grpSpPr>
+          <a:xfrm>
             <a:off x="5698066" y="2388592"/>
-            <a:ext cx="1457070" cy="1664352"/>
+            <a:ext cx="1457070" cy="2362256"/>
+            <a:chOff x="5698066" y="2388592"/>
+            <a:chExt cx="1457070" cy="2362256"/>
           </a:xfrm>
-          <a:prstGeom prst="rect">
-            <a:avLst/>
-          </a:prstGeom>
-        </p:spPr>
-      </p:pic>
-      <p:pic>
-        <p:nvPicPr>
-          <p:cNvPr id="8" name="図 7">
-            <a:extLst>
-              <a:ext uri="{FF2B5EF4-FFF2-40B4-BE49-F238E27FC236}">
-                <a16:creationId xmlns:a16="http://schemas.microsoft.com/office/drawing/2014/main" id="{6C194D8E-5A73-4C6D-80E1-7F3C57BEEA16}"/>
-              </a:ext>
-            </a:extLst>
-          </p:cNvPr>
-          <p:cNvPicPr>
-            <a:picLocks noChangeAspect="1"/>
-          </p:cNvPicPr>
-          <p:nvPr/>
-        </p:nvPicPr>
-        <p:blipFill>
-          <a:blip r:embed="rId6"/>
-          <a:stretch>
-            <a:fillRect/>
-          </a:stretch>
-        </p:blipFill>
-        <p:spPr>
-          <a:xfrm flipH="1">
-            <a:off x="5698066" y="3086496"/>
-            <a:ext cx="1457070" cy="1664352"/>
-          </a:xfrm>
-          <a:prstGeom prst="rect">
-            <a:avLst/>
-          </a:prstGeom>
-        </p:spPr>
-      </p:pic>
+        </p:grpSpPr>
+        <p:pic>
+          <p:nvPicPr>
+            <p:cNvPr id="7" name="図 6">
+              <a:extLst>
+                <a:ext uri="{FF2B5EF4-FFF2-40B4-BE49-F238E27FC236}">
+                  <a16:creationId xmlns:a16="http://schemas.microsoft.com/office/drawing/2014/main" id="{B1D78C13-9500-452E-986A-283272AD3A63}"/>
+                </a:ext>
+              </a:extLst>
+            </p:cNvPr>
+            <p:cNvPicPr>
+              <a:picLocks noChangeAspect="1"/>
+            </p:cNvPicPr>
+            <p:nvPr/>
+          </p:nvPicPr>
+          <p:blipFill>
+            <a:blip r:embed="rId6"/>
+            <a:stretch>
+              <a:fillRect/>
+            </a:stretch>
+          </p:blipFill>
+          <p:spPr>
+            <a:xfrm flipH="1">
+              <a:off x="5698066" y="2388592"/>
+              <a:ext cx="1457070" cy="1664352"/>
+            </a:xfrm>
+            <a:prstGeom prst="rect">
+              <a:avLst/>
+            </a:prstGeom>
+          </p:spPr>
+        </p:pic>
+        <p:pic>
+          <p:nvPicPr>
+            <p:cNvPr id="8" name="図 7">
+              <a:extLst>
+                <a:ext uri="{FF2B5EF4-FFF2-40B4-BE49-F238E27FC236}">
+                  <a16:creationId xmlns:a16="http://schemas.microsoft.com/office/drawing/2014/main" id="{6C194D8E-5A73-4C6D-80E1-7F3C57BEEA16}"/>
+                </a:ext>
+              </a:extLst>
+            </p:cNvPr>
+            <p:cNvPicPr>
+              <a:picLocks noChangeAspect="1"/>
+            </p:cNvPicPr>
+            <p:nvPr/>
+          </p:nvPicPr>
+          <p:blipFill>
+            <a:blip r:embed="rId6"/>
+            <a:stretch>
+              <a:fillRect/>
+            </a:stretch>
+          </p:blipFill>
+          <p:spPr>
+            <a:xfrm flipH="1">
+              <a:off x="5698066" y="3086496"/>
+              <a:ext cx="1457070" cy="1664352"/>
+            </a:xfrm>
+            <a:prstGeom prst="rect">
+              <a:avLst/>
+            </a:prstGeom>
+          </p:spPr>
+        </p:pic>
+      </p:grpSp>
       <p:grpSp>
         <p:nvGrpSpPr>
           <p:cNvPr id="9" name="グループ化 8">

--- a/paper/water/figures/figures.pptx
+++ b/paper/water/figures/figures.pptx
@@ -261,7 +261,7 @@
           <a:p>
             <a:fld id="{A05AD41B-1A41-418A-9EA5-B602D5FD2BF3}" type="datetimeFigureOut">
               <a:rPr kumimoji="1" lang="ja-JP" altLang="en-US" smtClean="0"/>
-              <a:t>2021/12/13</a:t>
+              <a:t>2022/1/30</a:t>
             </a:fld>
             <a:endParaRPr kumimoji="1" lang="ja-JP" altLang="en-US"/>
           </a:p>
@@ -491,7 +491,7 @@
           <a:p>
             <a:fld id="{A05AD41B-1A41-418A-9EA5-B602D5FD2BF3}" type="datetimeFigureOut">
               <a:rPr kumimoji="1" lang="ja-JP" altLang="en-US" smtClean="0"/>
-              <a:t>2021/12/13</a:t>
+              <a:t>2022/1/30</a:t>
             </a:fld>
             <a:endParaRPr kumimoji="1" lang="ja-JP" altLang="en-US"/>
           </a:p>
@@ -731,7 +731,7 @@
           <a:p>
             <a:fld id="{A05AD41B-1A41-418A-9EA5-B602D5FD2BF3}" type="datetimeFigureOut">
               <a:rPr kumimoji="1" lang="ja-JP" altLang="en-US" smtClean="0"/>
-              <a:t>2021/12/13</a:t>
+              <a:t>2022/1/30</a:t>
             </a:fld>
             <a:endParaRPr kumimoji="1" lang="ja-JP" altLang="en-US"/>
           </a:p>
@@ -961,7 +961,7 @@
           <a:p>
             <a:fld id="{A05AD41B-1A41-418A-9EA5-B602D5FD2BF3}" type="datetimeFigureOut">
               <a:rPr kumimoji="1" lang="ja-JP" altLang="en-US" smtClean="0"/>
-              <a:t>2021/12/13</a:t>
+              <a:t>2022/1/30</a:t>
             </a:fld>
             <a:endParaRPr kumimoji="1" lang="ja-JP" altLang="en-US"/>
           </a:p>
@@ -1236,7 +1236,7 @@
           <a:p>
             <a:fld id="{A05AD41B-1A41-418A-9EA5-B602D5FD2BF3}" type="datetimeFigureOut">
               <a:rPr kumimoji="1" lang="ja-JP" altLang="en-US" smtClean="0"/>
-              <a:t>2021/12/13</a:t>
+              <a:t>2022/1/30</a:t>
             </a:fld>
             <a:endParaRPr kumimoji="1" lang="ja-JP" altLang="en-US"/>
           </a:p>
@@ -1565,7 +1565,7 @@
           <a:p>
             <a:fld id="{A05AD41B-1A41-418A-9EA5-B602D5FD2BF3}" type="datetimeFigureOut">
               <a:rPr kumimoji="1" lang="ja-JP" altLang="en-US" smtClean="0"/>
-              <a:t>2021/12/13</a:t>
+              <a:t>2022/1/30</a:t>
             </a:fld>
             <a:endParaRPr kumimoji="1" lang="ja-JP" altLang="en-US"/>
           </a:p>
@@ -2041,7 +2041,7 @@
           <a:p>
             <a:fld id="{A05AD41B-1A41-418A-9EA5-B602D5FD2BF3}" type="datetimeFigureOut">
               <a:rPr kumimoji="1" lang="ja-JP" altLang="en-US" smtClean="0"/>
-              <a:t>2021/12/13</a:t>
+              <a:t>2022/1/30</a:t>
             </a:fld>
             <a:endParaRPr kumimoji="1" lang="ja-JP" altLang="en-US"/>
           </a:p>
@@ -2182,7 +2182,7 @@
           <a:p>
             <a:fld id="{A05AD41B-1A41-418A-9EA5-B602D5FD2BF3}" type="datetimeFigureOut">
               <a:rPr kumimoji="1" lang="ja-JP" altLang="en-US" smtClean="0"/>
-              <a:t>2021/12/13</a:t>
+              <a:t>2022/1/30</a:t>
             </a:fld>
             <a:endParaRPr kumimoji="1" lang="ja-JP" altLang="en-US"/>
           </a:p>
@@ -2295,7 +2295,7 @@
           <a:p>
             <a:fld id="{A05AD41B-1A41-418A-9EA5-B602D5FD2BF3}" type="datetimeFigureOut">
               <a:rPr kumimoji="1" lang="ja-JP" altLang="en-US" smtClean="0"/>
-              <a:t>2021/12/13</a:t>
+              <a:t>2022/1/30</a:t>
             </a:fld>
             <a:endParaRPr kumimoji="1" lang="ja-JP" altLang="en-US"/>
           </a:p>
@@ -2638,7 +2638,7 @@
           <a:p>
             <a:fld id="{A05AD41B-1A41-418A-9EA5-B602D5FD2BF3}" type="datetimeFigureOut">
               <a:rPr kumimoji="1" lang="ja-JP" altLang="en-US" smtClean="0"/>
-              <a:t>2021/12/13</a:t>
+              <a:t>2022/1/30</a:t>
             </a:fld>
             <a:endParaRPr kumimoji="1" lang="ja-JP" altLang="en-US"/>
           </a:p>
@@ -2926,7 +2926,7 @@
           <a:p>
             <a:fld id="{A05AD41B-1A41-418A-9EA5-B602D5FD2BF3}" type="datetimeFigureOut">
               <a:rPr kumimoji="1" lang="ja-JP" altLang="en-US" smtClean="0"/>
-              <a:t>2021/12/13</a:t>
+              <a:t>2022/1/30</a:t>
             </a:fld>
             <a:endParaRPr kumimoji="1" lang="ja-JP" altLang="en-US"/>
           </a:p>
@@ -3199,7 +3199,7 @@
           <a:p>
             <a:fld id="{A05AD41B-1A41-418A-9EA5-B602D5FD2BF3}" type="datetimeFigureOut">
               <a:rPr kumimoji="1" lang="ja-JP" altLang="en-US" smtClean="0"/>
-              <a:t>2021/12/13</a:t>
+              <a:t>2022/1/30</a:t>
             </a:fld>
             <a:endParaRPr kumimoji="1" lang="ja-JP" altLang="en-US"/>
           </a:p>
@@ -3630,10 +3630,10 @@
         </p:nvGrpSpPr>
         <p:grpSpPr>
           <a:xfrm>
-            <a:off x="1447800" y="1194275"/>
-            <a:ext cx="9986440" cy="4900523"/>
-            <a:chOff x="1447800" y="1194275"/>
-            <a:chExt cx="9986440" cy="4900523"/>
+            <a:off x="1447801" y="1194275"/>
+            <a:ext cx="9762068" cy="4900523"/>
+            <a:chOff x="1447801" y="1194275"/>
+            <a:chExt cx="9762068" cy="4900523"/>
           </a:xfrm>
         </p:grpSpPr>
         <p:pic>
@@ -4096,7 +4096,7 @@
           <p:spPr>
             <a:xfrm>
               <a:off x="6392341" y="2048931"/>
-              <a:ext cx="2404534" cy="541866"/>
+              <a:ext cx="2497666" cy="541866"/>
             </a:xfrm>
             <a:prstGeom prst="rect">
               <a:avLst/>
@@ -4165,8 +4165,8 @@
           </p:nvSpPr>
           <p:spPr>
             <a:xfrm>
-              <a:off x="8890010" y="2126333"/>
-              <a:ext cx="2544230" cy="400110"/>
+              <a:off x="8932345" y="2126333"/>
+              <a:ext cx="2277523" cy="400110"/>
             </a:xfrm>
             <a:prstGeom prst="rect">
               <a:avLst/>
@@ -4208,7 +4208,7 @@
           <p:spPr>
             <a:xfrm>
               <a:off x="6392341" y="3131460"/>
-              <a:ext cx="2404534" cy="541866"/>
+              <a:ext cx="2497666" cy="541866"/>
             </a:xfrm>
             <a:prstGeom prst="rect">
               <a:avLst/>
@@ -4337,8 +4337,8 @@
           </p:nvSpPr>
           <p:spPr>
             <a:xfrm>
-              <a:off x="8890010" y="3208862"/>
-              <a:ext cx="2544230" cy="400110"/>
+              <a:off x="8932345" y="3208862"/>
+              <a:ext cx="2277523" cy="400110"/>
             </a:xfrm>
             <a:prstGeom prst="rect">
               <a:avLst/>
@@ -4365,8 +4365,8 @@
             </a:p>
           </p:txBody>
         </p:sp>
-        <mc:AlternateContent xmlns:mc="http://schemas.openxmlformats.org/markup-compatibility/2006" xmlns:a14="http://schemas.microsoft.com/office/drawing/2010/main">
-          <mc:Choice Requires="a14">
+        <mc:AlternateContent xmlns:mc="http://schemas.openxmlformats.org/markup-compatibility/2006">
+          <mc:Choice xmlns:a14="http://schemas.microsoft.com/office/drawing/2010/main" Requires="a14">
             <p:sp>
               <p:nvSpPr>
                 <p:cNvPr id="33" name="ひし形 32">
@@ -4381,8 +4381,8 @@
               </p:nvSpPr>
               <p:spPr>
                 <a:xfrm>
-                  <a:off x="6392341" y="4217414"/>
-                  <a:ext cx="2404534" cy="778932"/>
+                  <a:off x="6392340" y="4217414"/>
+                  <a:ext cx="2497667" cy="778932"/>
                 </a:xfrm>
                 <a:prstGeom prst="diamond">
                   <a:avLst/>
@@ -4439,8 +4439,42 @@
                             </a:solidFill>
                             <a:latin typeface="Cambria Math" panose="02040503050406030204" pitchFamily="18" charset="0"/>
                           </a:rPr>
-                          <m:t>&gt;90%</m:t>
+                          <m:t>&gt;</m:t>
                         </m:r>
+                        <m:sSub>
+                          <m:sSubPr>
+                            <m:ctrlPr>
+                              <a:rPr kumimoji="1" lang="en-US" altLang="ja-JP" b="0" i="1" smtClean="0">
+                                <a:solidFill>
+                                  <a:schemeClr val="tx1"/>
+                                </a:solidFill>
+                                <a:latin typeface="Cambria Math" panose="02040503050406030204" pitchFamily="18" charset="0"/>
+                              </a:rPr>
+                            </m:ctrlPr>
+                          </m:sSubPr>
+                          <m:e>
+                            <m:r>
+                              <a:rPr kumimoji="1" lang="en-US" altLang="ja-JP" b="0" i="1" smtClean="0">
+                                <a:solidFill>
+                                  <a:schemeClr val="tx1"/>
+                                </a:solidFill>
+                                <a:latin typeface="Cambria Math" panose="02040503050406030204" pitchFamily="18" charset="0"/>
+                              </a:rPr>
+                              <m:t>𝑇</m:t>
+                            </m:r>
+                          </m:e>
+                          <m:sub>
+                            <m:r>
+                              <a:rPr kumimoji="1" lang="en-US" altLang="ja-JP" b="0" i="1" smtClean="0">
+                                <a:solidFill>
+                                  <a:schemeClr val="tx1"/>
+                                </a:solidFill>
+                                <a:latin typeface="Cambria Math" panose="02040503050406030204" pitchFamily="18" charset="0"/>
+                              </a:rPr>
+                              <m:t>𝑙𝑒𝑣𝑒𝑙</m:t>
+                            </m:r>
+                          </m:sub>
+                        </m:sSub>
                       </m:oMath>
                     </m:oMathPara>
                   </a14:m>
@@ -4449,7 +4483,7 @@
               </p:txBody>
             </p:sp>
           </mc:Choice>
-          <mc:Fallback xmlns="">
+          <mc:Fallback>
             <p:sp>
               <p:nvSpPr>
                 <p:cNvPr id="33" name="ひし形 32">
@@ -4466,8 +4500,8 @@
               </p:nvSpPr>
               <p:spPr>
                 <a:xfrm>
-                  <a:off x="6392341" y="4217414"/>
-                  <a:ext cx="2404534" cy="778932"/>
+                  <a:off x="6392340" y="4217414"/>
+                  <a:ext cx="2497667" cy="778932"/>
                 </a:xfrm>
                 <a:prstGeom prst="diamond">
                   <a:avLst/>
@@ -4607,7 +4641,7 @@
           </p:nvCxnSpPr>
           <p:spPr>
             <a:xfrm>
-              <a:off x="7594608" y="2590797"/>
+              <a:off x="7641174" y="2590797"/>
               <a:ext cx="0" cy="540663"/>
             </a:xfrm>
             <a:prstGeom prst="straightConnector1">
@@ -4653,7 +4687,7 @@
           </p:nvCxnSpPr>
           <p:spPr>
             <a:xfrm>
-              <a:off x="7594608" y="3673326"/>
+              <a:off x="7641174" y="3673326"/>
               <a:ext cx="0" cy="544088"/>
             </a:xfrm>
             <a:prstGeom prst="straightConnector1">
@@ -4807,8 +4841,8 @@
           </p:nvCxnSpPr>
           <p:spPr>
             <a:xfrm rot="5400000">
-              <a:off x="5477679" y="3037159"/>
-              <a:ext cx="157743" cy="4076117"/>
+              <a:off x="5500962" y="3013876"/>
+              <a:ext cx="157743" cy="4122683"/>
             </a:xfrm>
             <a:prstGeom prst="bentConnector2">
               <a:avLst/>
@@ -4845,6 +4879,7 @@
               </a:extLst>
             </p:cNvPr>
             <p:cNvCxnSpPr>
+              <a:cxnSpLocks/>
               <a:stCxn id="33" idx="1"/>
               <a:endCxn id="19" idx="3"/>
             </p:cNvCxnSpPr>
@@ -4852,8 +4887,8 @@
           </p:nvCxnSpPr>
           <p:spPr>
             <a:xfrm rot="10800000">
-              <a:off x="3967227" y="3483934"/>
-              <a:ext cx="2425115" cy="1122947"/>
+              <a:off x="3967226" y="3483934"/>
+              <a:ext cx="2425114" cy="1122947"/>
             </a:xfrm>
             <a:prstGeom prst="bentConnector3">
               <a:avLst/>
@@ -5066,6 +5101,7 @@
               </a:extLst>
             </p:cNvPr>
             <p:cNvCxnSpPr>
+              <a:cxnSpLocks/>
               <a:stCxn id="9" idx="6"/>
               <a:endCxn id="27" idx="1"/>
             </p:cNvCxnSpPr>
@@ -5078,7 +5114,7 @@
             </a:xfrm>
             <a:prstGeom prst="bentConnector3">
               <a:avLst>
-                <a:gd name="adj1" fmla="val 62431"/>
+                <a:gd name="adj1" fmla="val 50000"/>
               </a:avLst>
             </a:prstGeom>
             <a:ln w="38100">
@@ -5117,8 +5153,8 @@
           </p:nvSpPr>
           <p:spPr>
             <a:xfrm>
-              <a:off x="1447800" y="1913467"/>
-              <a:ext cx="9719733" cy="3750258"/>
+              <a:off x="1447801" y="1913467"/>
+              <a:ext cx="9762068" cy="3750258"/>
             </a:xfrm>
             <a:prstGeom prst="roundRect">
               <a:avLst/>
@@ -5172,7 +5208,7 @@
           </p:nvSpPr>
           <p:spPr>
             <a:xfrm>
-              <a:off x="7145860" y="5694688"/>
+              <a:off x="7179728" y="5694688"/>
               <a:ext cx="3856572" cy="400110"/>
             </a:xfrm>
             <a:prstGeom prst="rect">
